--- a/docs/wireframes/wireframes_2.1.pptx
+++ b/docs/wireframes/wireframes_2.1.pptx
@@ -271,7 +271,7 @@
           <a:p>
             <a:fld id="{E739BB41-DB51-AC40-8BC3-82550C14AA6F}" type="datetimeFigureOut">
               <a:rPr lang="en-US" smtClean="0"/>
-              <a:t>4/15/19</a:t>
+              <a:t>4/25/19</a:t>
             </a:fld>
             <a:endParaRPr lang="en-US"/>
           </a:p>
@@ -441,7 +441,7 @@
           <a:p>
             <a:fld id="{E739BB41-DB51-AC40-8BC3-82550C14AA6F}" type="datetimeFigureOut">
               <a:rPr lang="en-US" smtClean="0"/>
-              <a:t>4/15/19</a:t>
+              <a:t>4/25/19</a:t>
             </a:fld>
             <a:endParaRPr lang="en-US"/>
           </a:p>
@@ -621,7 +621,7 @@
           <a:p>
             <a:fld id="{E739BB41-DB51-AC40-8BC3-82550C14AA6F}" type="datetimeFigureOut">
               <a:rPr lang="en-US" smtClean="0"/>
-              <a:t>4/15/19</a:t>
+              <a:t>4/25/19</a:t>
             </a:fld>
             <a:endParaRPr lang="en-US"/>
           </a:p>
@@ -791,7 +791,7 @@
           <a:p>
             <a:fld id="{E739BB41-DB51-AC40-8BC3-82550C14AA6F}" type="datetimeFigureOut">
               <a:rPr lang="en-US" smtClean="0"/>
-              <a:t>4/15/19</a:t>
+              <a:t>4/25/19</a:t>
             </a:fld>
             <a:endParaRPr lang="en-US"/>
           </a:p>
@@ -1037,7 +1037,7 @@
           <a:p>
             <a:fld id="{E739BB41-DB51-AC40-8BC3-82550C14AA6F}" type="datetimeFigureOut">
               <a:rPr lang="en-US" smtClean="0"/>
-              <a:t>4/15/19</a:t>
+              <a:t>4/25/19</a:t>
             </a:fld>
             <a:endParaRPr lang="en-US"/>
           </a:p>
@@ -1269,7 +1269,7 @@
           <a:p>
             <a:fld id="{E739BB41-DB51-AC40-8BC3-82550C14AA6F}" type="datetimeFigureOut">
               <a:rPr lang="en-US" smtClean="0"/>
-              <a:t>4/15/19</a:t>
+              <a:t>4/25/19</a:t>
             </a:fld>
             <a:endParaRPr lang="en-US"/>
           </a:p>
@@ -1636,7 +1636,7 @@
           <a:p>
             <a:fld id="{E739BB41-DB51-AC40-8BC3-82550C14AA6F}" type="datetimeFigureOut">
               <a:rPr lang="en-US" smtClean="0"/>
-              <a:t>4/15/19</a:t>
+              <a:t>4/25/19</a:t>
             </a:fld>
             <a:endParaRPr lang="en-US"/>
           </a:p>
@@ -1754,7 +1754,7 @@
           <a:p>
             <a:fld id="{E739BB41-DB51-AC40-8BC3-82550C14AA6F}" type="datetimeFigureOut">
               <a:rPr lang="en-US" smtClean="0"/>
-              <a:t>4/15/19</a:t>
+              <a:t>4/25/19</a:t>
             </a:fld>
             <a:endParaRPr lang="en-US"/>
           </a:p>
@@ -1849,7 +1849,7 @@
           <a:p>
             <a:fld id="{E739BB41-DB51-AC40-8BC3-82550C14AA6F}" type="datetimeFigureOut">
               <a:rPr lang="en-US" smtClean="0"/>
-              <a:t>4/15/19</a:t>
+              <a:t>4/25/19</a:t>
             </a:fld>
             <a:endParaRPr lang="en-US"/>
           </a:p>
@@ -2126,7 +2126,7 @@
           <a:p>
             <a:fld id="{E739BB41-DB51-AC40-8BC3-82550C14AA6F}" type="datetimeFigureOut">
               <a:rPr lang="en-US" smtClean="0"/>
-              <a:t>4/15/19</a:t>
+              <a:t>4/25/19</a:t>
             </a:fld>
             <a:endParaRPr lang="en-US"/>
           </a:p>
@@ -2383,7 +2383,7 @@
           <a:p>
             <a:fld id="{E739BB41-DB51-AC40-8BC3-82550C14AA6F}" type="datetimeFigureOut">
               <a:rPr lang="en-US" smtClean="0"/>
-              <a:t>4/15/19</a:t>
+              <a:t>4/25/19</a:t>
             </a:fld>
             <a:endParaRPr lang="en-US"/>
           </a:p>
@@ -2729,7 +2729,7 @@
           <a:p>
             <a:fld id="{E739BB41-DB51-AC40-8BC3-82550C14AA6F}" type="datetimeFigureOut">
               <a:rPr lang="en-US" smtClean="0"/>
-              <a:t>4/15/19</a:t>
+              <a:t>4/25/19</a:t>
             </a:fld>
             <a:endParaRPr lang="en-US"/>
           </a:p>
@@ -6681,12 +6681,20 @@
           <a:p>
             <a:pPr algn="ctr"/>
             <a:r>
+              <a:rPr lang="en-US">
+                <a:solidFill>
+                  <a:schemeClr val="bg1"/>
+                </a:solidFill>
+              </a:rPr>
+              <a:t>This is </a:t>
+            </a:r>
+            <a:r>
               <a:rPr lang="en-US" dirty="0">
                 <a:solidFill>
                   <a:schemeClr val="bg1"/>
                 </a:solidFill>
               </a:rPr>
-              <a:t>This will be used during transactions between users</a:t>
+              <a:t>used during transactions between users</a:t>
             </a:r>
           </a:p>
         </p:txBody>
@@ -19613,7 +19621,7 @@
         <p:spPr>
           <a:xfrm>
             <a:off x="3500787" y="1459039"/>
-            <a:ext cx="1903617" cy="2462213"/>
+            <a:ext cx="1903617" cy="2677656"/>
           </a:xfrm>
           <a:prstGeom prst="rect">
             <a:avLst/>
@@ -19630,6 +19638,15 @@
             <a:spAutoFit/>
           </a:bodyPr>
           <a:lstStyle/>
+          <a:p>
+            <a:pPr algn="l"/>
+            <a:endParaRPr lang="en-US" sz="1400" dirty="0">
+              <a:solidFill>
+                <a:schemeClr val="bg1"/>
+              </a:solidFill>
+              <a:latin typeface="Comic Sans MS" panose="030F0902030302020204" pitchFamily="66" charset="0"/>
+            </a:endParaRPr>
+          </a:p>
           <a:p>
             <a:pPr algn="l"/>
             <a:endParaRPr lang="en-US" sz="1400" dirty="0">
@@ -19877,7 +19894,7 @@
         <p:spPr>
           <a:xfrm>
             <a:off x="5904929" y="1445529"/>
-            <a:ext cx="1903617" cy="2462213"/>
+            <a:ext cx="1903617" cy="2677656"/>
           </a:xfrm>
           <a:prstGeom prst="rect">
             <a:avLst/>
@@ -19993,6 +20010,15 @@
               <a:latin typeface="Comic Sans MS" panose="030F0902030302020204" pitchFamily="66" charset="0"/>
             </a:endParaRPr>
           </a:p>
+          <a:p>
+            <a:pPr algn="l"/>
+            <a:endParaRPr lang="en-US" sz="1400" dirty="0">
+              <a:solidFill>
+                <a:schemeClr val="bg1"/>
+              </a:solidFill>
+              <a:latin typeface="Comic Sans MS" panose="030F0902030302020204" pitchFamily="66" charset="0"/>
+            </a:endParaRPr>
+          </a:p>
         </p:txBody>
       </p:sp>
       <p:sp>
@@ -20010,7 +20036,7 @@
         <p:spPr>
           <a:xfrm>
             <a:off x="8341380" y="1459039"/>
-            <a:ext cx="1903617" cy="2462213"/>
+            <a:ext cx="1903617" cy="2677656"/>
           </a:xfrm>
           <a:prstGeom prst="rect">
             <a:avLst/>
@@ -20027,6 +20053,15 @@
             <a:spAutoFit/>
           </a:bodyPr>
           <a:lstStyle/>
+          <a:p>
+            <a:pPr algn="l"/>
+            <a:endParaRPr lang="en-US" sz="1400" dirty="0">
+              <a:solidFill>
+                <a:schemeClr val="bg1"/>
+              </a:solidFill>
+              <a:latin typeface="Comic Sans MS" panose="030F0902030302020204" pitchFamily="66" charset="0"/>
+            </a:endParaRPr>
+          </a:p>
           <a:p>
             <a:pPr algn="l"/>
             <a:endParaRPr lang="en-US" sz="1400" dirty="0">
@@ -20740,6 +20775,126 @@
                 <a:latin typeface="Comic Sans MS" panose="030F0902030302020204" pitchFamily="66" charset="0"/>
               </a:rPr>
               <a:t>Post New Item</a:t>
+            </a:r>
+          </a:p>
+        </p:txBody>
+      </p:sp>
+      <p:sp>
+        <p:nvSpPr>
+          <p:cNvPr id="6" name="TextBox 5">
+            <a:extLst>
+              <a:ext uri="{FF2B5EF4-FFF2-40B4-BE49-F238E27FC236}">
+                <a16:creationId xmlns:a16="http://schemas.microsoft.com/office/drawing/2014/main" id="{268261D5-C4B3-D14D-84EC-D38BC38BABA0}"/>
+              </a:ext>
+            </a:extLst>
+          </p:cNvPr>
+          <p:cNvSpPr txBox="1"/>
+          <p:nvPr/>
+        </p:nvSpPr>
+        <p:spPr>
+          <a:xfrm>
+            <a:off x="3593213" y="3805836"/>
+            <a:ext cx="1686456" cy="307777"/>
+          </a:xfrm>
+          <a:prstGeom prst="rect">
+            <a:avLst/>
+          </a:prstGeom>
+          <a:solidFill>
+            <a:schemeClr val="accent6"/>
+          </a:solidFill>
+        </p:spPr>
+        <p:txBody>
+          <a:bodyPr wrap="square" rtlCol="0">
+            <a:spAutoFit/>
+          </a:bodyPr>
+          <a:lstStyle/>
+          <a:p>
+            <a:pPr algn="l"/>
+            <a:r>
+              <a:rPr lang="en-US" sz="1400" dirty="0">
+                <a:latin typeface="Comic Sans MS" panose="030F0902030302020204" pitchFamily="66" charset="0"/>
+              </a:rPr>
+              <a:t>Status: Available</a:t>
+            </a:r>
+          </a:p>
+        </p:txBody>
+      </p:sp>
+      <p:sp>
+        <p:nvSpPr>
+          <p:cNvPr id="39" name="TextBox 38">
+            <a:extLst>
+              <a:ext uri="{FF2B5EF4-FFF2-40B4-BE49-F238E27FC236}">
+                <a16:creationId xmlns:a16="http://schemas.microsoft.com/office/drawing/2014/main" id="{400F834D-2DE9-594D-91A7-F3A5EBAA0DC8}"/>
+              </a:ext>
+            </a:extLst>
+          </p:cNvPr>
+          <p:cNvSpPr txBox="1"/>
+          <p:nvPr/>
+        </p:nvSpPr>
+        <p:spPr>
+          <a:xfrm>
+            <a:off x="8445690" y="3782754"/>
+            <a:ext cx="1686456" cy="307777"/>
+          </a:xfrm>
+          <a:prstGeom prst="rect">
+            <a:avLst/>
+          </a:prstGeom>
+          <a:solidFill>
+            <a:schemeClr val="accent6"/>
+          </a:solidFill>
+        </p:spPr>
+        <p:txBody>
+          <a:bodyPr wrap="square" rtlCol="0">
+            <a:spAutoFit/>
+          </a:bodyPr>
+          <a:lstStyle/>
+          <a:p>
+            <a:pPr algn="l"/>
+            <a:r>
+              <a:rPr lang="en-US" sz="1400" dirty="0">
+                <a:latin typeface="Comic Sans MS" panose="030F0902030302020204" pitchFamily="66" charset="0"/>
+              </a:rPr>
+              <a:t>Status: Available</a:t>
+            </a:r>
+          </a:p>
+        </p:txBody>
+      </p:sp>
+      <p:sp>
+        <p:nvSpPr>
+          <p:cNvPr id="40" name="TextBox 39">
+            <a:extLst>
+              <a:ext uri="{FF2B5EF4-FFF2-40B4-BE49-F238E27FC236}">
+                <a16:creationId xmlns:a16="http://schemas.microsoft.com/office/drawing/2014/main" id="{00800D78-ED87-774F-9305-80F6902455B1}"/>
+              </a:ext>
+            </a:extLst>
+          </p:cNvPr>
+          <p:cNvSpPr txBox="1"/>
+          <p:nvPr/>
+        </p:nvSpPr>
+        <p:spPr>
+          <a:xfrm>
+            <a:off x="6013509" y="3803989"/>
+            <a:ext cx="1686456" cy="307777"/>
+          </a:xfrm>
+          <a:prstGeom prst="rect">
+            <a:avLst/>
+          </a:prstGeom>
+          <a:solidFill>
+            <a:srgbClr val="FF0000"/>
+          </a:solidFill>
+        </p:spPr>
+        <p:txBody>
+          <a:bodyPr wrap="square" rtlCol="0">
+            <a:spAutoFit/>
+          </a:bodyPr>
+          <a:lstStyle/>
+          <a:p>
+            <a:pPr algn="ctr"/>
+            <a:r>
+              <a:rPr lang="en-US" sz="1400" dirty="0">
+                <a:latin typeface="Comic Sans MS" panose="030F0902030302020204" pitchFamily="66" charset="0"/>
+              </a:rPr>
+              <a:t>Status: Sold</a:t>
             </a:r>
           </a:p>
         </p:txBody>

--- a/docs/wireframes/wireframes_2.1.pptx
+++ b/docs/wireframes/wireframes_2.1.pptx
@@ -23,6 +23,9 @@
     <p:sldId id="269" r:id="rId17"/>
     <p:sldId id="270" r:id="rId18"/>
     <p:sldId id="271" r:id="rId19"/>
+    <p:sldId id="279" r:id="rId20"/>
+    <p:sldId id="280" r:id="rId21"/>
+    <p:sldId id="281" r:id="rId22"/>
   </p:sldIdLst>
   <p:sldSz cx="12192000" cy="6858000"/>
   <p:notesSz cx="6858000" cy="9144000"/>
@@ -271,7 +274,7 @@
           <a:p>
             <a:fld id="{E739BB41-DB51-AC40-8BC3-82550C14AA6F}" type="datetimeFigureOut">
               <a:rPr lang="en-US" smtClean="0"/>
-              <a:t>4/15/19</a:t>
+              <a:t>4/27/19</a:t>
             </a:fld>
             <a:endParaRPr lang="en-US"/>
           </a:p>
@@ -441,7 +444,7 @@
           <a:p>
             <a:fld id="{E739BB41-DB51-AC40-8BC3-82550C14AA6F}" type="datetimeFigureOut">
               <a:rPr lang="en-US" smtClean="0"/>
-              <a:t>4/15/19</a:t>
+              <a:t>4/27/19</a:t>
             </a:fld>
             <a:endParaRPr lang="en-US"/>
           </a:p>
@@ -621,7 +624,7 @@
           <a:p>
             <a:fld id="{E739BB41-DB51-AC40-8BC3-82550C14AA6F}" type="datetimeFigureOut">
               <a:rPr lang="en-US" smtClean="0"/>
-              <a:t>4/15/19</a:t>
+              <a:t>4/27/19</a:t>
             </a:fld>
             <a:endParaRPr lang="en-US"/>
           </a:p>
@@ -791,7 +794,7 @@
           <a:p>
             <a:fld id="{E739BB41-DB51-AC40-8BC3-82550C14AA6F}" type="datetimeFigureOut">
               <a:rPr lang="en-US" smtClean="0"/>
-              <a:t>4/15/19</a:t>
+              <a:t>4/27/19</a:t>
             </a:fld>
             <a:endParaRPr lang="en-US"/>
           </a:p>
@@ -1037,7 +1040,7 @@
           <a:p>
             <a:fld id="{E739BB41-DB51-AC40-8BC3-82550C14AA6F}" type="datetimeFigureOut">
               <a:rPr lang="en-US" smtClean="0"/>
-              <a:t>4/15/19</a:t>
+              <a:t>4/27/19</a:t>
             </a:fld>
             <a:endParaRPr lang="en-US"/>
           </a:p>
@@ -1269,7 +1272,7 @@
           <a:p>
             <a:fld id="{E739BB41-DB51-AC40-8BC3-82550C14AA6F}" type="datetimeFigureOut">
               <a:rPr lang="en-US" smtClean="0"/>
-              <a:t>4/15/19</a:t>
+              <a:t>4/27/19</a:t>
             </a:fld>
             <a:endParaRPr lang="en-US"/>
           </a:p>
@@ -1636,7 +1639,7 @@
           <a:p>
             <a:fld id="{E739BB41-DB51-AC40-8BC3-82550C14AA6F}" type="datetimeFigureOut">
               <a:rPr lang="en-US" smtClean="0"/>
-              <a:t>4/15/19</a:t>
+              <a:t>4/27/19</a:t>
             </a:fld>
             <a:endParaRPr lang="en-US"/>
           </a:p>
@@ -1754,7 +1757,7 @@
           <a:p>
             <a:fld id="{E739BB41-DB51-AC40-8BC3-82550C14AA6F}" type="datetimeFigureOut">
               <a:rPr lang="en-US" smtClean="0"/>
-              <a:t>4/15/19</a:t>
+              <a:t>4/27/19</a:t>
             </a:fld>
             <a:endParaRPr lang="en-US"/>
           </a:p>
@@ -1849,7 +1852,7 @@
           <a:p>
             <a:fld id="{E739BB41-DB51-AC40-8BC3-82550C14AA6F}" type="datetimeFigureOut">
               <a:rPr lang="en-US" smtClean="0"/>
-              <a:t>4/15/19</a:t>
+              <a:t>4/27/19</a:t>
             </a:fld>
             <a:endParaRPr lang="en-US"/>
           </a:p>
@@ -2126,7 +2129,7 @@
           <a:p>
             <a:fld id="{E739BB41-DB51-AC40-8BC3-82550C14AA6F}" type="datetimeFigureOut">
               <a:rPr lang="en-US" smtClean="0"/>
-              <a:t>4/15/19</a:t>
+              <a:t>4/27/19</a:t>
             </a:fld>
             <a:endParaRPr lang="en-US"/>
           </a:p>
@@ -2383,7 +2386,7 @@
           <a:p>
             <a:fld id="{E739BB41-DB51-AC40-8BC3-82550C14AA6F}" type="datetimeFigureOut">
               <a:rPr lang="en-US" smtClean="0"/>
-              <a:t>4/15/19</a:t>
+              <a:t>4/27/19</a:t>
             </a:fld>
             <a:endParaRPr lang="en-US"/>
           </a:p>
@@ -2729,7 +2732,7 @@
           <a:p>
             <a:fld id="{E739BB41-DB51-AC40-8BC3-82550C14AA6F}" type="datetimeFigureOut">
               <a:rPr lang="en-US" smtClean="0"/>
-              <a:t>4/15/19</a:t>
+              <a:t>4/27/19</a:t>
             </a:fld>
             <a:endParaRPr lang="en-US"/>
           </a:p>
@@ -10506,141 +10509,12 @@
         </p:nvGrpSpPr>
         <p:grpSpPr>
           <a:xfrm>
-            <a:off x="2125922" y="2056987"/>
-            <a:ext cx="5034533" cy="2894841"/>
+            <a:off x="2125922" y="2056988"/>
+            <a:ext cx="3011835" cy="377042"/>
             <a:chOff x="5028014" y="1634955"/>
-            <a:chExt cx="4650632" cy="2641399"/>
+            <a:chExt cx="2782172" cy="344032"/>
           </a:xfrm>
         </p:grpSpPr>
-        <p:sp>
-          <p:nvSpPr>
-            <p:cNvPr id="9" name="TextBox 8">
-              <a:extLst>
-                <a:ext uri="{FF2B5EF4-FFF2-40B4-BE49-F238E27FC236}">
-                  <a16:creationId xmlns:a16="http://schemas.microsoft.com/office/drawing/2014/main" id="{9DDBC895-FCFB-3A47-9E03-ECA92F586E8E}"/>
-                </a:ext>
-              </a:extLst>
-            </p:cNvPr>
-            <p:cNvSpPr txBox="1"/>
-            <p:nvPr/>
-          </p:nvSpPr>
-          <p:spPr>
-            <a:xfrm>
-              <a:off x="5028014" y="1968030"/>
-              <a:ext cx="4650632" cy="2308324"/>
-            </a:xfrm>
-            <a:prstGeom prst="rect">
-              <a:avLst/>
-            </a:prstGeom>
-            <a:noFill/>
-            <a:ln>
-              <a:solidFill>
-                <a:schemeClr val="bg1"/>
-              </a:solidFill>
-            </a:ln>
-          </p:spPr>
-          <p:txBody>
-            <a:bodyPr wrap="none" rtlCol="0">
-              <a:spAutoFit/>
-            </a:bodyPr>
-            <a:lstStyle/>
-            <a:p>
-              <a:pPr algn="l"/>
-              <a:r>
-                <a:rPr lang="en-US" sz="1600" dirty="0">
-                  <a:solidFill>
-                    <a:schemeClr val="bg1"/>
-                  </a:solidFill>
-                  <a:latin typeface="Comic Sans MS" panose="030F0902030302020204" pitchFamily="66" charset="0"/>
-                </a:rPr>
-                <a:t>User1:</a:t>
-              </a:r>
-            </a:p>
-            <a:p>
-              <a:pPr algn="l"/>
-              <a:r>
-                <a:rPr lang="en-US" sz="1600" dirty="0">
-                  <a:solidFill>
-                    <a:schemeClr val="bg1"/>
-                  </a:solidFill>
-                  <a:latin typeface="Comic Sans MS" panose="030F0902030302020204" pitchFamily="66" charset="0"/>
-                </a:rPr>
-                <a:t>Description of feedback given by other buyers</a:t>
-              </a:r>
-            </a:p>
-            <a:p>
-              <a:pPr algn="l"/>
-              <a:endParaRPr lang="en-US" sz="1600" dirty="0">
-                <a:solidFill>
-                  <a:schemeClr val="bg1"/>
-                </a:solidFill>
-                <a:latin typeface="Comic Sans MS" panose="030F0902030302020204" pitchFamily="66" charset="0"/>
-              </a:endParaRPr>
-            </a:p>
-            <a:p>
-              <a:r>
-                <a:rPr lang="en-US" sz="1600" dirty="0">
-                  <a:solidFill>
-                    <a:schemeClr val="bg1"/>
-                  </a:solidFill>
-                  <a:latin typeface="Comic Sans MS" panose="030F0902030302020204" pitchFamily="66" charset="0"/>
-                </a:rPr>
-                <a:t>User2:</a:t>
-              </a:r>
-            </a:p>
-            <a:p>
-              <a:r>
-                <a:rPr lang="en-US" sz="1600" dirty="0">
-                  <a:solidFill>
-                    <a:schemeClr val="bg1"/>
-                  </a:solidFill>
-                  <a:latin typeface="Comic Sans MS" panose="030F0902030302020204" pitchFamily="66" charset="0"/>
-                </a:rPr>
-                <a:t>Description of feedback given by other buyers</a:t>
-              </a:r>
-            </a:p>
-            <a:p>
-              <a:pPr algn="l"/>
-              <a:endParaRPr lang="en-US" sz="1600" dirty="0">
-                <a:solidFill>
-                  <a:schemeClr val="bg1"/>
-                </a:solidFill>
-                <a:latin typeface="Comic Sans MS" panose="030F0902030302020204" pitchFamily="66" charset="0"/>
-              </a:endParaRPr>
-            </a:p>
-            <a:p>
-              <a:r>
-                <a:rPr lang="en-US" sz="1600" dirty="0">
-                  <a:solidFill>
-                    <a:schemeClr val="bg1"/>
-                  </a:solidFill>
-                  <a:latin typeface="Comic Sans MS" panose="030F0902030302020204" pitchFamily="66" charset="0"/>
-                </a:rPr>
-                <a:t>User3:</a:t>
-              </a:r>
-            </a:p>
-            <a:p>
-              <a:r>
-                <a:rPr lang="en-US" sz="1600" dirty="0">
-                  <a:solidFill>
-                    <a:schemeClr val="bg1"/>
-                  </a:solidFill>
-                  <a:latin typeface="Comic Sans MS" panose="030F0902030302020204" pitchFamily="66" charset="0"/>
-                </a:rPr>
-                <a:t>Description of feedback given by other buyers</a:t>
-              </a:r>
-            </a:p>
-            <a:p>
-              <a:pPr algn="l"/>
-              <a:endParaRPr lang="en-US" sz="1600" dirty="0">
-                <a:solidFill>
-                  <a:schemeClr val="bg1"/>
-                </a:solidFill>
-                <a:latin typeface="Comic Sans MS" panose="030F0902030302020204" pitchFamily="66" charset="0"/>
-              </a:endParaRPr>
-            </a:p>
-          </p:txBody>
-        </p:sp>
         <p:sp>
           <p:nvSpPr>
             <p:cNvPr id="4" name="TextBox 3">
@@ -11060,6 +10934,112 @@
                 <a:latin typeface="Comic Sans MS" panose="030F0902030302020204" pitchFamily="66" charset="0"/>
               </a:rPr>
               <a:t>Catalog     Users Profile    Username</a:t>
+            </a:r>
+          </a:p>
+        </p:txBody>
+      </p:sp>
+      <p:sp>
+        <p:nvSpPr>
+          <p:cNvPr id="11" name="TextBox 10">
+            <a:extLst>
+              <a:ext uri="{FF2B5EF4-FFF2-40B4-BE49-F238E27FC236}">
+                <a16:creationId xmlns:a16="http://schemas.microsoft.com/office/drawing/2014/main" id="{EB458B06-DD5E-AC45-BDF2-205788C0CD73}"/>
+              </a:ext>
+            </a:extLst>
+          </p:cNvPr>
+          <p:cNvSpPr txBox="1"/>
+          <p:nvPr/>
+        </p:nvSpPr>
+        <p:spPr>
+          <a:xfrm>
+            <a:off x="2125922" y="2437147"/>
+            <a:ext cx="5072222" cy="1323439"/>
+          </a:xfrm>
+          <a:prstGeom prst="rect">
+            <a:avLst/>
+          </a:prstGeom>
+          <a:noFill/>
+          <a:ln>
+            <a:solidFill>
+              <a:schemeClr val="bg1"/>
+            </a:solidFill>
+          </a:ln>
+        </p:spPr>
+        <p:txBody>
+          <a:bodyPr wrap="none" rtlCol="0">
+            <a:spAutoFit/>
+          </a:bodyPr>
+          <a:lstStyle/>
+          <a:p>
+            <a:pPr algn="l"/>
+            <a:r>
+              <a:rPr lang="en-US" sz="1600" dirty="0">
+                <a:solidFill>
+                  <a:schemeClr val="bg1"/>
+                </a:solidFill>
+                <a:latin typeface="Comic Sans MS" panose="030F0902030302020204" pitchFamily="66" charset="0"/>
+              </a:rPr>
+              <a:t>Item		Review		Buyer</a:t>
+            </a:r>
+          </a:p>
+          <a:p>
+            <a:pPr algn="l"/>
+            <a:endParaRPr lang="en-US" sz="1600" dirty="0">
+              <a:solidFill>
+                <a:schemeClr val="bg1"/>
+              </a:solidFill>
+              <a:latin typeface="Comic Sans MS" panose="030F0902030302020204" pitchFamily="66" charset="0"/>
+            </a:endParaRPr>
+          </a:p>
+          <a:p>
+            <a:pPr algn="l"/>
+            <a:r>
+              <a:rPr lang="en-US" sz="1600" dirty="0">
+                <a:solidFill>
+                  <a:schemeClr val="bg1"/>
+                </a:solidFill>
+                <a:latin typeface="Comic Sans MS" panose="030F0902030302020204" pitchFamily="66" charset="0"/>
+              </a:rPr>
+              <a:t>Item1	        Review Statement 1	</a:t>
+            </a:r>
+            <a:r>
+              <a:rPr lang="en-US" sz="1600" dirty="0">
+                <a:solidFill>
+                  <a:srgbClr val="0432FF"/>
+                </a:solidFill>
+                <a:latin typeface="Comic Sans MS" panose="030F0902030302020204" pitchFamily="66" charset="0"/>
+              </a:rPr>
+              <a:t>Buyer1 name</a:t>
+            </a:r>
+          </a:p>
+          <a:p>
+            <a:pPr algn="l"/>
+            <a:endParaRPr lang="en-US" sz="1600" dirty="0">
+              <a:solidFill>
+                <a:schemeClr val="bg1"/>
+              </a:solidFill>
+              <a:latin typeface="Comic Sans MS" panose="030F0902030302020204" pitchFamily="66" charset="0"/>
+            </a:endParaRPr>
+          </a:p>
+          <a:p>
+            <a:pPr algn="l"/>
+            <a:r>
+              <a:rPr lang="en-US" sz="1600" dirty="0">
+                <a:solidFill>
+                  <a:schemeClr val="bg1"/>
+                </a:solidFill>
+                <a:latin typeface="Comic Sans MS" panose="030F0902030302020204" pitchFamily="66" charset="0"/>
+              </a:rPr>
+              <a:t>Item2	        Review Statement 2	</a:t>
+            </a:r>
+            <a:r>
+              <a:rPr lang="en-US" sz="1600" dirty="0">
+                <a:solidFill>
+                  <a:srgbClr val="0432FF"/>
+                </a:solidFill>
+                <a:latin typeface="Comic Sans MS" panose="030F0902030302020204" pitchFamily="66" charset="0"/>
+              </a:rPr>
+              <a:t>Buyer2 name</a:t>
             </a:r>
           </a:p>
         </p:txBody>
@@ -14920,7 +14900,7 @@
         <p:spPr>
           <a:xfrm>
             <a:off x="5028014" y="1968030"/>
-            <a:ext cx="4650632" cy="2308324"/>
+            <a:ext cx="5104282" cy="2062103"/>
           </a:xfrm>
           <a:prstGeom prst="rect">
             <a:avLst/>
@@ -14946,8 +14926,17 @@
                 </a:solidFill>
                 <a:latin typeface="Comic Sans MS" panose="030F0902030302020204" pitchFamily="66" charset="0"/>
               </a:rPr>
-              <a:t>User1:</a:t>
-            </a:r>
+              <a:t>Item		Review		Buyer</a:t>
+            </a:r>
+          </a:p>
+          <a:p>
+            <a:pPr algn="l"/>
+            <a:endParaRPr lang="en-US" sz="1600" dirty="0">
+              <a:solidFill>
+                <a:schemeClr val="bg1"/>
+              </a:solidFill>
+              <a:latin typeface="Comic Sans MS" panose="030F0902030302020204" pitchFamily="66" charset="0"/>
+            </a:endParaRPr>
           </a:p>
           <a:p>
             <a:pPr algn="l"/>
@@ -14958,7 +14947,16 @@
                 </a:solidFill>
                 <a:latin typeface="Comic Sans MS" panose="030F0902030302020204" pitchFamily="66" charset="0"/>
               </a:rPr>
-              <a:t>Description of feedback given by other buyers</a:t>
+              <a:t>Item1	        Review Statement 1.      </a:t>
+            </a:r>
+            <a:r>
+              <a:rPr lang="en-US" sz="1600" dirty="0">
+                <a:solidFill>
+                  <a:srgbClr val="0432FF"/>
+                </a:solidFill>
+                <a:latin typeface="Comic Sans MS" panose="030F0902030302020204" pitchFamily="66" charset="0"/>
+              </a:rPr>
+              <a:t>Buyer1 name</a:t>
             </a:r>
           </a:p>
           <a:p>
@@ -14971,6 +14969,7 @@
             </a:endParaRPr>
           </a:p>
           <a:p>
+            <a:pPr algn="l"/>
             <a:r>
               <a:rPr lang="en-US" sz="1600" dirty="0">
                 <a:solidFill>
@@ -14978,18 +14977,16 @@
                 </a:solidFill>
                 <a:latin typeface="Comic Sans MS" panose="030F0902030302020204" pitchFamily="66" charset="0"/>
               </a:rPr>
-              <a:t>User2:</a:t>
-            </a:r>
-          </a:p>
-          <a:p>
+              <a:t>Item2	        Review Statement 2.	</a:t>
+            </a:r>
             <a:r>
               <a:rPr lang="en-US" sz="1600" dirty="0">
                 <a:solidFill>
-                  <a:schemeClr val="bg1"/>
-                </a:solidFill>
-                <a:latin typeface="Comic Sans MS" panose="030F0902030302020204" pitchFamily="66" charset="0"/>
-              </a:rPr>
-              <a:t>Description of feedback given by other buyers</a:t>
+                  <a:srgbClr val="0432FF"/>
+                </a:solidFill>
+                <a:latin typeface="Comic Sans MS" panose="030F0902030302020204" pitchFamily="66" charset="0"/>
+              </a:rPr>
+              <a:t>Buyer2 name</a:t>
             </a:r>
           </a:p>
           <a:p>
@@ -15002,28 +14999,6 @@
             </a:endParaRPr>
           </a:p>
           <a:p>
-            <a:r>
-              <a:rPr lang="en-US" sz="1600" dirty="0">
-                <a:solidFill>
-                  <a:schemeClr val="bg1"/>
-                </a:solidFill>
-                <a:latin typeface="Comic Sans MS" panose="030F0902030302020204" pitchFamily="66" charset="0"/>
-              </a:rPr>
-              <a:t>User3:</a:t>
-            </a:r>
-          </a:p>
-          <a:p>
-            <a:r>
-              <a:rPr lang="en-US" sz="1600" dirty="0">
-                <a:solidFill>
-                  <a:schemeClr val="bg1"/>
-                </a:solidFill>
-                <a:latin typeface="Comic Sans MS" panose="030F0902030302020204" pitchFamily="66" charset="0"/>
-              </a:rPr>
-              <a:t>Description of feedback given by other buyers</a:t>
-            </a:r>
-          </a:p>
-          <a:p>
             <a:pPr algn="l"/>
             <a:endParaRPr lang="en-US" sz="1600" dirty="0">
               <a:solidFill>
@@ -15032,6 +15007,15 @@
               <a:latin typeface="Comic Sans MS" panose="030F0902030302020204" pitchFamily="66" charset="0"/>
             </a:endParaRPr>
           </a:p>
+          <a:p>
+            <a:pPr algn="l"/>
+            <a:endParaRPr lang="en-US" sz="1600" dirty="0">
+              <a:solidFill>
+                <a:schemeClr val="bg1"/>
+              </a:solidFill>
+              <a:latin typeface="Comic Sans MS" panose="030F0902030302020204" pitchFamily="66" charset="0"/>
+            </a:endParaRPr>
+          </a:p>
         </p:txBody>
       </p:sp>
       <p:sp>
@@ -15048,7 +15032,7 @@
         </p:nvSpPr>
         <p:spPr>
           <a:xfrm>
-            <a:off x="2176042" y="4264036"/>
+            <a:off x="2233351" y="4312822"/>
             <a:ext cx="1962131" cy="327860"/>
           </a:xfrm>
           <a:prstGeom prst="roundRect">
@@ -15515,10 +15499,1028 @@
           </a:extLst>
         </p:spPr>
       </p:pic>
+      <p:sp>
+        <p:nvSpPr>
+          <p:cNvPr id="6" name="TextBox 5">
+            <a:extLst>
+              <a:ext uri="{FF2B5EF4-FFF2-40B4-BE49-F238E27FC236}">
+                <a16:creationId xmlns:a16="http://schemas.microsoft.com/office/drawing/2014/main" id="{1ACB3BA0-A8B2-494D-9DB3-1C520F0C9680}"/>
+              </a:ext>
+            </a:extLst>
+          </p:cNvPr>
+          <p:cNvSpPr txBox="1"/>
+          <p:nvPr/>
+        </p:nvSpPr>
+        <p:spPr>
+          <a:xfrm>
+            <a:off x="5111623" y="3538204"/>
+            <a:ext cx="1306768" cy="338554"/>
+          </a:xfrm>
+          <a:prstGeom prst="rect">
+            <a:avLst/>
+          </a:prstGeom>
+          <a:solidFill>
+            <a:srgbClr val="0432FF"/>
+          </a:solidFill>
+          <a:ln>
+            <a:solidFill>
+              <a:schemeClr val="bg1"/>
+            </a:solidFill>
+          </a:ln>
+        </p:spPr>
+        <p:txBody>
+          <a:bodyPr wrap="none" rtlCol="0">
+            <a:spAutoFit/>
+          </a:bodyPr>
+          <a:lstStyle/>
+          <a:p>
+            <a:pPr algn="l"/>
+            <a:r>
+              <a:rPr lang="en-US" sz="1600" dirty="0">
+                <a:latin typeface="Comic Sans MS" panose="030F0902030302020204" pitchFamily="66" charset="0"/>
+              </a:rPr>
+              <a:t>Post Review</a:t>
+            </a:r>
+          </a:p>
+        </p:txBody>
+      </p:sp>
     </p:spTree>
     <p:extLst>
       <p:ext uri="{BB962C8B-B14F-4D97-AF65-F5344CB8AC3E}">
         <p14:creationId xmlns:p14="http://schemas.microsoft.com/office/powerpoint/2010/main" val="3824123874"/>
+      </p:ext>
+    </p:extLst>
+  </p:cSld>
+  <p:clrMapOvr>
+    <a:masterClrMapping/>
+  </p:clrMapOvr>
+</p:sld>
+</file>
+
+<file path=ppt/slides/slide19.xml><?xml version="1.0" encoding="utf-8"?>
+<p:sld xmlns:a="http://schemas.openxmlformats.org/drawingml/2006/main" xmlns:r="http://schemas.openxmlformats.org/officeDocument/2006/relationships" xmlns:p="http://schemas.openxmlformats.org/presentationml/2006/main">
+  <p:cSld>
+    <p:spTree>
+      <p:nvGrpSpPr>
+        <p:cNvPr id="1" name=""/>
+        <p:cNvGrpSpPr/>
+        <p:nvPr/>
+      </p:nvGrpSpPr>
+      <p:grpSpPr>
+        <a:xfrm>
+          <a:off x="0" y="0"/>
+          <a:ext cx="0" cy="0"/>
+          <a:chOff x="0" y="0"/>
+          <a:chExt cx="0" cy="0"/>
+        </a:xfrm>
+      </p:grpSpPr>
+      <p:sp>
+        <p:nvSpPr>
+          <p:cNvPr id="2" name="TextBox 1">
+            <a:extLst>
+              <a:ext uri="{FF2B5EF4-FFF2-40B4-BE49-F238E27FC236}">
+                <a16:creationId xmlns:a16="http://schemas.microsoft.com/office/drawing/2014/main" id="{221DED5B-F56B-0F43-A308-4F2DD034B5B7}"/>
+              </a:ext>
+            </a:extLst>
+          </p:cNvPr>
+          <p:cNvSpPr txBox="1"/>
+          <p:nvPr/>
+        </p:nvSpPr>
+        <p:spPr>
+          <a:xfrm>
+            <a:off x="2018803" y="1267014"/>
+            <a:ext cx="1388522" cy="338554"/>
+          </a:xfrm>
+          <a:prstGeom prst="rect">
+            <a:avLst/>
+          </a:prstGeom>
+          <a:noFill/>
+        </p:spPr>
+        <p:txBody>
+          <a:bodyPr wrap="none" rtlCol="0">
+            <a:spAutoFit/>
+          </a:bodyPr>
+          <a:lstStyle/>
+          <a:p>
+            <a:r>
+              <a:rPr lang="en-US" sz="1600" b="1" dirty="0">
+                <a:solidFill>
+                  <a:schemeClr val="bg1"/>
+                </a:solidFill>
+                <a:latin typeface="Comic Sans MS" panose="030F0902030302020204" pitchFamily="66" charset="0"/>
+              </a:rPr>
+              <a:t>User Profile</a:t>
+            </a:r>
+          </a:p>
+        </p:txBody>
+      </p:sp>
+      <p:sp>
+        <p:nvSpPr>
+          <p:cNvPr id="7" name="TextBox 6">
+            <a:extLst>
+              <a:ext uri="{FF2B5EF4-FFF2-40B4-BE49-F238E27FC236}">
+                <a16:creationId xmlns:a16="http://schemas.microsoft.com/office/drawing/2014/main" id="{F3573DF9-457D-7948-8B22-DB5337292FA7}"/>
+              </a:ext>
+            </a:extLst>
+          </p:cNvPr>
+          <p:cNvSpPr txBox="1"/>
+          <p:nvPr/>
+        </p:nvSpPr>
+        <p:spPr>
+          <a:xfrm>
+            <a:off x="1784068" y="292529"/>
+            <a:ext cx="2193229" cy="276999"/>
+          </a:xfrm>
+          <a:prstGeom prst="rect">
+            <a:avLst/>
+          </a:prstGeom>
+          <a:noFill/>
+        </p:spPr>
+        <p:txBody>
+          <a:bodyPr wrap="none" rtlCol="0">
+            <a:spAutoFit/>
+          </a:bodyPr>
+          <a:lstStyle/>
+          <a:p>
+            <a:r>
+              <a:rPr lang="en-US" sz="1200" dirty="0" err="1">
+                <a:solidFill>
+                  <a:schemeClr val="bg1"/>
+                </a:solidFill>
+                <a:latin typeface="Comic Sans MS" panose="030F0902030302020204" pitchFamily="66" charset="0"/>
+              </a:rPr>
+              <a:t>SellBackMart</a:t>
+            </a:r>
+            <a:r>
+              <a:rPr lang="en-US" sz="1200" dirty="0">
+                <a:solidFill>
+                  <a:schemeClr val="bg1"/>
+                </a:solidFill>
+                <a:latin typeface="Comic Sans MS" panose="030F0902030302020204" pitchFamily="66" charset="0"/>
+              </a:rPr>
+              <a:t> - User Profile</a:t>
+            </a:r>
+          </a:p>
+        </p:txBody>
+      </p:sp>
+      <p:sp>
+        <p:nvSpPr>
+          <p:cNvPr id="8" name="TextBox 7">
+            <a:extLst>
+              <a:ext uri="{FF2B5EF4-FFF2-40B4-BE49-F238E27FC236}">
+                <a16:creationId xmlns:a16="http://schemas.microsoft.com/office/drawing/2014/main" id="{49DF0299-C639-944C-9F0E-91BE71AC7E52}"/>
+              </a:ext>
+            </a:extLst>
+          </p:cNvPr>
+          <p:cNvSpPr txBox="1"/>
+          <p:nvPr/>
+        </p:nvSpPr>
+        <p:spPr>
+          <a:xfrm>
+            <a:off x="2233351" y="581403"/>
+            <a:ext cx="2429321" cy="276999"/>
+          </a:xfrm>
+          <a:prstGeom prst="rect">
+            <a:avLst/>
+          </a:prstGeom>
+          <a:noFill/>
+        </p:spPr>
+        <p:txBody>
+          <a:bodyPr wrap="none" rtlCol="0">
+            <a:spAutoFit/>
+          </a:bodyPr>
+          <a:lstStyle/>
+          <a:p>
+            <a:r>
+              <a:rPr lang="en-US" sz="1200" dirty="0">
+                <a:solidFill>
+                  <a:schemeClr val="bg1"/>
+                </a:solidFill>
+                <a:latin typeface="Comic Sans MS" panose="030F0902030302020204" pitchFamily="66" charset="0"/>
+              </a:rPr>
+              <a:t>http://localhost:3000/user/:id</a:t>
+            </a:r>
+          </a:p>
+        </p:txBody>
+      </p:sp>
+      <p:sp>
+        <p:nvSpPr>
+          <p:cNvPr id="16" name="Rectangle 15">
+            <a:extLst>
+              <a:ext uri="{FF2B5EF4-FFF2-40B4-BE49-F238E27FC236}">
+                <a16:creationId xmlns:a16="http://schemas.microsoft.com/office/drawing/2014/main" id="{61CD5799-7FC2-F04C-ADCF-330CB97C8DA9}"/>
+              </a:ext>
+            </a:extLst>
+          </p:cNvPr>
+          <p:cNvSpPr/>
+          <p:nvPr/>
+        </p:nvSpPr>
+        <p:spPr>
+          <a:xfrm>
+            <a:off x="1175657" y="870277"/>
+            <a:ext cx="9832769" cy="344384"/>
+          </a:xfrm>
+          <a:prstGeom prst="rect">
+            <a:avLst/>
+          </a:prstGeom>
+          <a:solidFill>
+            <a:schemeClr val="bg1"/>
+          </a:solidFill>
+          <a:ln>
+            <a:noFill/>
+          </a:ln>
+        </p:spPr>
+        <p:style>
+          <a:lnRef idx="2">
+            <a:schemeClr val="accent1">
+              <a:shade val="50000"/>
+            </a:schemeClr>
+          </a:lnRef>
+          <a:fillRef idx="1">
+            <a:schemeClr val="accent1"/>
+          </a:fillRef>
+          <a:effectRef idx="0">
+            <a:schemeClr val="accent1"/>
+          </a:effectRef>
+          <a:fontRef idx="minor">
+            <a:schemeClr val="lt1"/>
+          </a:fontRef>
+        </p:style>
+        <p:txBody>
+          <a:bodyPr rtlCol="0" anchor="ctr"/>
+          <a:lstStyle/>
+          <a:p>
+            <a:r>
+              <a:rPr lang="en-US" sz="1400" dirty="0">
+                <a:solidFill>
+                  <a:schemeClr val="tx1"/>
+                </a:solidFill>
+                <a:latin typeface="Comic Sans MS" panose="030F0902030302020204" pitchFamily="66" charset="0"/>
+              </a:rPr>
+              <a:t>Profile |  Catalog |  Messages</a:t>
+            </a:r>
+          </a:p>
+        </p:txBody>
+      </p:sp>
+      <p:sp>
+        <p:nvSpPr>
+          <p:cNvPr id="17" name="Rectangle 16">
+            <a:extLst>
+              <a:ext uri="{FF2B5EF4-FFF2-40B4-BE49-F238E27FC236}">
+                <a16:creationId xmlns:a16="http://schemas.microsoft.com/office/drawing/2014/main" id="{6866C721-FE01-1B49-8B68-07C98D112373}"/>
+              </a:ext>
+            </a:extLst>
+          </p:cNvPr>
+          <p:cNvSpPr/>
+          <p:nvPr/>
+        </p:nvSpPr>
+        <p:spPr>
+          <a:xfrm>
+            <a:off x="8445690" y="870277"/>
+            <a:ext cx="2562736" cy="344384"/>
+          </a:xfrm>
+          <a:prstGeom prst="rect">
+            <a:avLst/>
+          </a:prstGeom>
+          <a:solidFill>
+            <a:schemeClr val="bg1"/>
+          </a:solidFill>
+          <a:ln>
+            <a:noFill/>
+          </a:ln>
+        </p:spPr>
+        <p:style>
+          <a:lnRef idx="2">
+            <a:schemeClr val="accent1">
+              <a:shade val="50000"/>
+            </a:schemeClr>
+          </a:lnRef>
+          <a:fillRef idx="1">
+            <a:schemeClr val="accent1"/>
+          </a:fillRef>
+          <a:effectRef idx="0">
+            <a:schemeClr val="accent1"/>
+          </a:effectRef>
+          <a:fontRef idx="minor">
+            <a:schemeClr val="lt1"/>
+          </a:fontRef>
+        </p:style>
+        <p:txBody>
+          <a:bodyPr rtlCol="0" anchor="ctr"/>
+          <a:lstStyle/>
+          <a:p>
+            <a:pPr algn="r"/>
+            <a:r>
+              <a:rPr lang="en-US" sz="1400" dirty="0">
+                <a:solidFill>
+                  <a:schemeClr val="tx1"/>
+                </a:solidFill>
+                <a:latin typeface="Comic Sans MS" panose="030F0902030302020204" pitchFamily="66" charset="0"/>
+              </a:rPr>
+              <a:t>Log Out</a:t>
+            </a:r>
+          </a:p>
+        </p:txBody>
+      </p:sp>
+      <p:sp>
+        <p:nvSpPr>
+          <p:cNvPr id="9" name="TextBox 8">
+            <a:extLst>
+              <a:ext uri="{FF2B5EF4-FFF2-40B4-BE49-F238E27FC236}">
+                <a16:creationId xmlns:a16="http://schemas.microsoft.com/office/drawing/2014/main" id="{9DDBC895-FCFB-3A47-9E03-ECA92F586E8E}"/>
+              </a:ext>
+            </a:extLst>
+          </p:cNvPr>
+          <p:cNvSpPr txBox="1"/>
+          <p:nvPr/>
+        </p:nvSpPr>
+        <p:spPr>
+          <a:xfrm>
+            <a:off x="5028014" y="1968030"/>
+            <a:ext cx="5104282" cy="2893100"/>
+          </a:xfrm>
+          <a:prstGeom prst="rect">
+            <a:avLst/>
+          </a:prstGeom>
+          <a:noFill/>
+          <a:ln>
+            <a:solidFill>
+              <a:schemeClr val="bg1"/>
+            </a:solidFill>
+          </a:ln>
+        </p:spPr>
+        <p:txBody>
+          <a:bodyPr wrap="none" rtlCol="0">
+            <a:spAutoFit/>
+          </a:bodyPr>
+          <a:lstStyle/>
+          <a:p>
+            <a:pPr algn="l"/>
+            <a:r>
+              <a:rPr lang="en-US" sz="1600" dirty="0">
+                <a:solidFill>
+                  <a:schemeClr val="bg1"/>
+                </a:solidFill>
+                <a:latin typeface="Comic Sans MS" panose="030F0902030302020204" pitchFamily="66" charset="0"/>
+              </a:rPr>
+              <a:t>Item		Review		Buyer</a:t>
+            </a:r>
+          </a:p>
+          <a:p>
+            <a:pPr algn="l"/>
+            <a:endParaRPr lang="en-US" sz="1600" dirty="0">
+              <a:solidFill>
+                <a:schemeClr val="bg1"/>
+              </a:solidFill>
+              <a:latin typeface="Comic Sans MS" panose="030F0902030302020204" pitchFamily="66" charset="0"/>
+            </a:endParaRPr>
+          </a:p>
+          <a:p>
+            <a:pPr algn="l"/>
+            <a:r>
+              <a:rPr lang="en-US" sz="1600" dirty="0">
+                <a:solidFill>
+                  <a:schemeClr val="bg1"/>
+                </a:solidFill>
+                <a:latin typeface="Comic Sans MS" panose="030F0902030302020204" pitchFamily="66" charset="0"/>
+              </a:rPr>
+              <a:t>Item1	        Review Statement 1.      </a:t>
+            </a:r>
+            <a:r>
+              <a:rPr lang="en-US" sz="1600" dirty="0">
+                <a:solidFill>
+                  <a:srgbClr val="0432FF"/>
+                </a:solidFill>
+                <a:latin typeface="Comic Sans MS" panose="030F0902030302020204" pitchFamily="66" charset="0"/>
+              </a:rPr>
+              <a:t>Buyer1 name</a:t>
+            </a:r>
+          </a:p>
+          <a:p>
+            <a:pPr algn="l"/>
+            <a:endParaRPr lang="en-US" sz="1600" dirty="0">
+              <a:solidFill>
+                <a:schemeClr val="bg1"/>
+              </a:solidFill>
+              <a:latin typeface="Comic Sans MS" panose="030F0902030302020204" pitchFamily="66" charset="0"/>
+            </a:endParaRPr>
+          </a:p>
+          <a:p>
+            <a:pPr algn="l"/>
+            <a:r>
+              <a:rPr lang="en-US" sz="1600" dirty="0">
+                <a:solidFill>
+                  <a:schemeClr val="bg1"/>
+                </a:solidFill>
+                <a:latin typeface="Comic Sans MS" panose="030F0902030302020204" pitchFamily="66" charset="0"/>
+              </a:rPr>
+              <a:t>Item2	        Review Statement 2.	</a:t>
+            </a:r>
+            <a:r>
+              <a:rPr lang="en-US" sz="1600" dirty="0">
+                <a:solidFill>
+                  <a:srgbClr val="0432FF"/>
+                </a:solidFill>
+                <a:latin typeface="Comic Sans MS" panose="030F0902030302020204" pitchFamily="66" charset="0"/>
+              </a:rPr>
+              <a:t>Buyer2 name</a:t>
+            </a:r>
+          </a:p>
+          <a:p>
+            <a:pPr algn="l"/>
+            <a:r>
+              <a:rPr lang="en-US" sz="1600" dirty="0">
+                <a:solidFill>
+                  <a:schemeClr val="bg1"/>
+                </a:solidFill>
+                <a:latin typeface="Comic Sans MS" panose="030F0902030302020204" pitchFamily="66" charset="0"/>
+              </a:rPr>
+              <a:t>		      </a:t>
+            </a:r>
+            <a:r>
+              <a:rPr lang="en-US" sz="1600" dirty="0">
+                <a:solidFill>
+                  <a:srgbClr val="0432FF"/>
+                </a:solidFill>
+                <a:latin typeface="Comic Sans MS" panose="030F0902030302020204" pitchFamily="66" charset="0"/>
+              </a:rPr>
+              <a:t>Edit Delete</a:t>
+            </a:r>
+          </a:p>
+          <a:p>
+            <a:endParaRPr lang="en-US" dirty="0">
+              <a:solidFill>
+                <a:schemeClr val="bg1"/>
+              </a:solidFill>
+            </a:endParaRPr>
+          </a:p>
+          <a:p>
+            <a:r>
+              <a:rPr lang="en-US" dirty="0">
+                <a:solidFill>
+                  <a:schemeClr val="bg1"/>
+                </a:solidFill>
+              </a:rPr>
+              <a:t>Have you bought an item from this seller? </a:t>
+            </a:r>
+          </a:p>
+          <a:p>
+            <a:r>
+              <a:rPr lang="en-US" dirty="0">
+                <a:solidFill>
+                  <a:schemeClr val="bg1"/>
+                </a:solidFill>
+              </a:rPr>
+              <a:t>Please share your experience below:</a:t>
+            </a:r>
+          </a:p>
+          <a:p>
+            <a:br>
+              <a:rPr lang="en-US" sz="1600" dirty="0">
+                <a:solidFill>
+                  <a:schemeClr val="bg1"/>
+                </a:solidFill>
+              </a:rPr>
+            </a:br>
+            <a:endParaRPr lang="en-US" sz="1600" dirty="0">
+              <a:solidFill>
+                <a:schemeClr val="bg1"/>
+              </a:solidFill>
+              <a:latin typeface="Comic Sans MS" panose="030F0902030302020204" pitchFamily="66" charset="0"/>
+            </a:endParaRPr>
+          </a:p>
+        </p:txBody>
+      </p:sp>
+      <p:sp>
+        <p:nvSpPr>
+          <p:cNvPr id="20" name="Rounded Rectangle 19">
+            <a:extLst>
+              <a:ext uri="{FF2B5EF4-FFF2-40B4-BE49-F238E27FC236}">
+                <a16:creationId xmlns:a16="http://schemas.microsoft.com/office/drawing/2014/main" id="{4BEBFFB0-3422-9540-99C7-6A70E61CA9EE}"/>
+              </a:ext>
+            </a:extLst>
+          </p:cNvPr>
+          <p:cNvSpPr/>
+          <p:nvPr/>
+        </p:nvSpPr>
+        <p:spPr>
+          <a:xfrm>
+            <a:off x="2233351" y="4312822"/>
+            <a:ext cx="1962131" cy="327860"/>
+          </a:xfrm>
+          <a:prstGeom prst="roundRect">
+            <a:avLst/>
+          </a:prstGeom>
+          <a:solidFill>
+            <a:schemeClr val="tx2"/>
+          </a:solidFill>
+          <a:ln>
+            <a:solidFill>
+              <a:schemeClr val="bg1"/>
+            </a:solidFill>
+          </a:ln>
+        </p:spPr>
+        <p:style>
+          <a:lnRef idx="2">
+            <a:schemeClr val="accent1">
+              <a:shade val="50000"/>
+            </a:schemeClr>
+          </a:lnRef>
+          <a:fillRef idx="1">
+            <a:schemeClr val="accent1"/>
+          </a:fillRef>
+          <a:effectRef idx="0">
+            <a:schemeClr val="accent1"/>
+          </a:effectRef>
+          <a:fontRef idx="minor">
+            <a:schemeClr val="lt1"/>
+          </a:fontRef>
+        </p:style>
+        <p:txBody>
+          <a:bodyPr rtlCol="0" anchor="ctr"/>
+          <a:lstStyle/>
+          <a:p>
+            <a:pPr algn="ctr"/>
+            <a:r>
+              <a:rPr lang="en-US" sz="1400" dirty="0">
+                <a:solidFill>
+                  <a:schemeClr val="bg1"/>
+                </a:solidFill>
+                <a:latin typeface="Comic Sans MS" panose="030F0902030302020204" pitchFamily="66" charset="0"/>
+              </a:rPr>
+              <a:t>Message</a:t>
+            </a:r>
+          </a:p>
+        </p:txBody>
+      </p:sp>
+      <p:sp>
+        <p:nvSpPr>
+          <p:cNvPr id="4" name="TextBox 3">
+            <a:extLst>
+              <a:ext uri="{FF2B5EF4-FFF2-40B4-BE49-F238E27FC236}">
+                <a16:creationId xmlns:a16="http://schemas.microsoft.com/office/drawing/2014/main" id="{F34410C0-B037-D144-80FC-AB321307446E}"/>
+              </a:ext>
+            </a:extLst>
+          </p:cNvPr>
+          <p:cNvSpPr txBox="1"/>
+          <p:nvPr/>
+        </p:nvSpPr>
+        <p:spPr>
+          <a:xfrm>
+            <a:off x="5028014" y="1640433"/>
+            <a:ext cx="829073" cy="338554"/>
+          </a:xfrm>
+          <a:prstGeom prst="rect">
+            <a:avLst/>
+          </a:prstGeom>
+          <a:solidFill>
+            <a:schemeClr val="tx1"/>
+          </a:solidFill>
+          <a:ln>
+            <a:solidFill>
+              <a:schemeClr val="bg1"/>
+            </a:solidFill>
+          </a:ln>
+        </p:spPr>
+        <p:txBody>
+          <a:bodyPr wrap="none" rtlCol="0">
+            <a:spAutoFit/>
+          </a:bodyPr>
+          <a:lstStyle/>
+          <a:p>
+            <a:pPr algn="l"/>
+            <a:r>
+              <a:rPr lang="en-US" sz="1600" dirty="0">
+                <a:solidFill>
+                  <a:schemeClr val="bg1"/>
+                </a:solidFill>
+                <a:latin typeface="Comic Sans MS" panose="030F0902030302020204" pitchFamily="66" charset="0"/>
+              </a:rPr>
+              <a:t>Profile</a:t>
+            </a:r>
+          </a:p>
+        </p:txBody>
+      </p:sp>
+      <p:sp>
+        <p:nvSpPr>
+          <p:cNvPr id="19" name="TextBox 18">
+            <a:extLst>
+              <a:ext uri="{FF2B5EF4-FFF2-40B4-BE49-F238E27FC236}">
+                <a16:creationId xmlns:a16="http://schemas.microsoft.com/office/drawing/2014/main" id="{B8792BF7-FDB0-C84B-AC3C-F44B726A4044}"/>
+              </a:ext>
+            </a:extLst>
+          </p:cNvPr>
+          <p:cNvSpPr txBox="1"/>
+          <p:nvPr/>
+        </p:nvSpPr>
+        <p:spPr>
+          <a:xfrm>
+            <a:off x="5857087" y="1634955"/>
+            <a:ext cx="835485" cy="338554"/>
+          </a:xfrm>
+          <a:prstGeom prst="rect">
+            <a:avLst/>
+          </a:prstGeom>
+          <a:solidFill>
+            <a:schemeClr val="tx1">
+              <a:lumMod val="75000"/>
+            </a:schemeClr>
+          </a:solidFill>
+          <a:ln>
+            <a:solidFill>
+              <a:schemeClr val="bg1"/>
+            </a:solidFill>
+          </a:ln>
+        </p:spPr>
+        <p:txBody>
+          <a:bodyPr wrap="none" rtlCol="0">
+            <a:spAutoFit/>
+          </a:bodyPr>
+          <a:lstStyle/>
+          <a:p>
+            <a:pPr algn="l"/>
+            <a:r>
+              <a:rPr lang="en-US" sz="1600" dirty="0">
+                <a:solidFill>
+                  <a:schemeClr val="bg1"/>
+                </a:solidFill>
+                <a:latin typeface="Comic Sans MS" panose="030F0902030302020204" pitchFamily="66" charset="0"/>
+              </a:rPr>
+              <a:t>Review</a:t>
+            </a:r>
+          </a:p>
+        </p:txBody>
+      </p:sp>
+      <p:sp>
+        <p:nvSpPr>
+          <p:cNvPr id="13" name="Rectangle 12">
+            <a:extLst>
+              <a:ext uri="{FF2B5EF4-FFF2-40B4-BE49-F238E27FC236}">
+                <a16:creationId xmlns:a16="http://schemas.microsoft.com/office/drawing/2014/main" id="{61CD5799-7FC2-F04C-ADCF-330CB97C8DA9}"/>
+              </a:ext>
+            </a:extLst>
+          </p:cNvPr>
+          <p:cNvSpPr/>
+          <p:nvPr/>
+        </p:nvSpPr>
+        <p:spPr>
+          <a:xfrm>
+            <a:off x="1188497" y="869150"/>
+            <a:ext cx="9832769" cy="344384"/>
+          </a:xfrm>
+          <a:prstGeom prst="rect">
+            <a:avLst/>
+          </a:prstGeom>
+          <a:solidFill>
+            <a:schemeClr val="bg1"/>
+          </a:solidFill>
+          <a:ln>
+            <a:noFill/>
+          </a:ln>
+        </p:spPr>
+        <p:style>
+          <a:lnRef idx="2">
+            <a:schemeClr val="accent1">
+              <a:shade val="50000"/>
+            </a:schemeClr>
+          </a:lnRef>
+          <a:fillRef idx="1">
+            <a:schemeClr val="accent1"/>
+          </a:fillRef>
+          <a:effectRef idx="0">
+            <a:schemeClr val="accent1"/>
+          </a:effectRef>
+          <a:fontRef idx="minor">
+            <a:schemeClr val="lt1"/>
+          </a:fontRef>
+        </p:style>
+        <p:txBody>
+          <a:bodyPr rtlCol="0" anchor="ctr"/>
+          <a:lstStyle/>
+          <a:p>
+            <a:r>
+              <a:rPr lang="en-US" sz="1400" dirty="0">
+                <a:solidFill>
+                  <a:schemeClr val="tx1"/>
+                </a:solidFill>
+                <a:latin typeface="Comic Sans MS" panose="030F0902030302020204" pitchFamily="66" charset="0"/>
+              </a:rPr>
+              <a:t> Catalog |  Messages</a:t>
+            </a:r>
+          </a:p>
+        </p:txBody>
+      </p:sp>
+      <p:sp>
+        <p:nvSpPr>
+          <p:cNvPr id="14" name="Rectangle 13">
+            <a:extLst>
+              <a:ext uri="{FF2B5EF4-FFF2-40B4-BE49-F238E27FC236}">
+                <a16:creationId xmlns:a16="http://schemas.microsoft.com/office/drawing/2014/main" id="{6866C721-FE01-1B49-8B68-07C98D112373}"/>
+              </a:ext>
+            </a:extLst>
+          </p:cNvPr>
+          <p:cNvSpPr/>
+          <p:nvPr/>
+        </p:nvSpPr>
+        <p:spPr>
+          <a:xfrm>
+            <a:off x="8393087" y="865442"/>
+            <a:ext cx="2562736" cy="344384"/>
+          </a:xfrm>
+          <a:prstGeom prst="rect">
+            <a:avLst/>
+          </a:prstGeom>
+          <a:solidFill>
+            <a:schemeClr val="bg1"/>
+          </a:solidFill>
+          <a:ln>
+            <a:noFill/>
+          </a:ln>
+        </p:spPr>
+        <p:style>
+          <a:lnRef idx="2">
+            <a:schemeClr val="accent1">
+              <a:shade val="50000"/>
+            </a:schemeClr>
+          </a:lnRef>
+          <a:fillRef idx="1">
+            <a:schemeClr val="accent1"/>
+          </a:fillRef>
+          <a:effectRef idx="0">
+            <a:schemeClr val="accent1"/>
+          </a:effectRef>
+          <a:fontRef idx="minor">
+            <a:schemeClr val="lt1"/>
+          </a:fontRef>
+        </p:style>
+        <p:txBody>
+          <a:bodyPr rtlCol="0" anchor="ctr"/>
+          <a:lstStyle/>
+          <a:p>
+            <a:pPr algn="r"/>
+            <a:r>
+              <a:rPr lang="en-US" sz="1400" dirty="0">
+                <a:solidFill>
+                  <a:schemeClr val="tx1"/>
+                </a:solidFill>
+                <a:latin typeface="Comic Sans MS" panose="030F0902030302020204" pitchFamily="66" charset="0"/>
+              </a:rPr>
+              <a:t>Username</a:t>
+            </a:r>
+          </a:p>
+        </p:txBody>
+      </p:sp>
+      <p:sp>
+        <p:nvSpPr>
+          <p:cNvPr id="15" name="Rectangle 14">
+            <a:extLst>
+              <a:ext uri="{FF2B5EF4-FFF2-40B4-BE49-F238E27FC236}">
+                <a16:creationId xmlns:a16="http://schemas.microsoft.com/office/drawing/2014/main" id="{E20295CC-58DF-0E47-95FC-6D5FF095C60D}"/>
+              </a:ext>
+            </a:extLst>
+          </p:cNvPr>
+          <p:cNvSpPr/>
+          <p:nvPr/>
+        </p:nvSpPr>
+        <p:spPr>
+          <a:xfrm>
+            <a:off x="1188497" y="869150"/>
+            <a:ext cx="9832769" cy="344384"/>
+          </a:xfrm>
+          <a:prstGeom prst="rect">
+            <a:avLst/>
+          </a:prstGeom>
+          <a:solidFill>
+            <a:schemeClr val="tx1"/>
+          </a:solidFill>
+          <a:ln>
+            <a:noFill/>
+          </a:ln>
+        </p:spPr>
+        <p:style>
+          <a:lnRef idx="2">
+            <a:schemeClr val="accent1">
+              <a:shade val="50000"/>
+            </a:schemeClr>
+          </a:lnRef>
+          <a:fillRef idx="1">
+            <a:schemeClr val="accent1"/>
+          </a:fillRef>
+          <a:effectRef idx="0">
+            <a:schemeClr val="accent1"/>
+          </a:effectRef>
+          <a:fontRef idx="minor">
+            <a:schemeClr val="lt1"/>
+          </a:fontRef>
+        </p:style>
+        <p:txBody>
+          <a:bodyPr rtlCol="0" anchor="ctr"/>
+          <a:lstStyle/>
+          <a:p>
+            <a:r>
+              <a:rPr lang="en-US" sz="1400" dirty="0">
+                <a:solidFill>
+                  <a:schemeClr val="accent1">
+                    <a:lumMod val="50000"/>
+                  </a:schemeClr>
+                </a:solidFill>
+                <a:latin typeface="Comic Sans MS" panose="030F0902030302020204" pitchFamily="66" charset="0"/>
+              </a:rPr>
+              <a:t> </a:t>
+            </a:r>
+            <a:r>
+              <a:rPr lang="en-US" sz="2400" b="1" dirty="0" err="1">
+                <a:solidFill>
+                  <a:schemeClr val="accent1">
+                    <a:lumMod val="50000"/>
+                  </a:schemeClr>
+                </a:solidFill>
+                <a:latin typeface="Comic Sans MS" panose="030F0902030302020204" pitchFamily="66" charset="0"/>
+              </a:rPr>
+              <a:t>SellBack</a:t>
+            </a:r>
+            <a:r>
+              <a:rPr lang="en-US" sz="2400" b="1" dirty="0" err="1">
+                <a:solidFill>
+                  <a:schemeClr val="accent1">
+                    <a:lumMod val="60000"/>
+                    <a:lumOff val="40000"/>
+                  </a:schemeClr>
+                </a:solidFill>
+                <a:latin typeface="Comic Sans MS" panose="030F0902030302020204" pitchFamily="66" charset="0"/>
+              </a:rPr>
+              <a:t>Mart</a:t>
+            </a:r>
+            <a:endParaRPr lang="en-US" sz="1400" b="1" dirty="0">
+              <a:solidFill>
+                <a:schemeClr val="accent1">
+                  <a:lumMod val="60000"/>
+                  <a:lumOff val="40000"/>
+                </a:schemeClr>
+              </a:solidFill>
+              <a:latin typeface="Comic Sans MS" panose="030F0902030302020204" pitchFamily="66" charset="0"/>
+            </a:endParaRPr>
+          </a:p>
+        </p:txBody>
+      </p:sp>
+      <p:sp>
+        <p:nvSpPr>
+          <p:cNvPr id="21" name="Rectangle 20">
+            <a:extLst>
+              <a:ext uri="{FF2B5EF4-FFF2-40B4-BE49-F238E27FC236}">
+                <a16:creationId xmlns:a16="http://schemas.microsoft.com/office/drawing/2014/main" id="{F22F8A5C-1EAD-7D4A-B24C-C2AA76DAF341}"/>
+              </a:ext>
+            </a:extLst>
+          </p:cNvPr>
+          <p:cNvSpPr/>
+          <p:nvPr/>
+        </p:nvSpPr>
+        <p:spPr>
+          <a:xfrm>
+            <a:off x="6911440" y="865442"/>
+            <a:ext cx="4044384" cy="344384"/>
+          </a:xfrm>
+          <a:prstGeom prst="rect">
+            <a:avLst/>
+          </a:prstGeom>
+          <a:solidFill>
+            <a:schemeClr val="tx1"/>
+          </a:solidFill>
+          <a:ln>
+            <a:noFill/>
+          </a:ln>
+        </p:spPr>
+        <p:style>
+          <a:lnRef idx="2">
+            <a:schemeClr val="accent1">
+              <a:shade val="50000"/>
+            </a:schemeClr>
+          </a:lnRef>
+          <a:fillRef idx="1">
+            <a:schemeClr val="accent1"/>
+          </a:fillRef>
+          <a:effectRef idx="0">
+            <a:schemeClr val="accent1"/>
+          </a:effectRef>
+          <a:fontRef idx="minor">
+            <a:schemeClr val="lt1"/>
+          </a:fontRef>
+        </p:style>
+        <p:txBody>
+          <a:bodyPr rtlCol="0" anchor="ctr"/>
+          <a:lstStyle/>
+          <a:p>
+            <a:pPr algn="r"/>
+            <a:r>
+              <a:rPr lang="en-US" sz="1400" dirty="0">
+                <a:solidFill>
+                  <a:schemeClr val="bg2">
+                    <a:lumMod val="50000"/>
+                  </a:schemeClr>
+                </a:solidFill>
+                <a:latin typeface="Comic Sans MS" panose="030F0902030302020204" pitchFamily="66" charset="0"/>
+              </a:rPr>
+              <a:t>Catalog     Users Profile    Username</a:t>
+            </a:r>
+          </a:p>
+        </p:txBody>
+      </p:sp>
+      <p:pic>
+        <p:nvPicPr>
+          <p:cNvPr id="22" name="Picture 2" descr="Memphis Tiger Logo">
+            <a:extLst>
+              <a:ext uri="{FF2B5EF4-FFF2-40B4-BE49-F238E27FC236}">
+                <a16:creationId xmlns:a16="http://schemas.microsoft.com/office/drawing/2014/main" id="{598C481B-F211-4AA9-AD89-9411F773EE64}"/>
+              </a:ext>
+            </a:extLst>
+          </p:cNvPr>
+          <p:cNvPicPr>
+            <a:picLocks noChangeAspect="1" noChangeArrowheads="1"/>
+          </p:cNvPicPr>
+          <p:nvPr/>
+        </p:nvPicPr>
+        <p:blipFill>
+          <a:blip r:embed="rId2">
+            <a:extLst>
+              <a:ext uri="{28A0092B-C50C-407E-A947-70E740481C1C}">
+                <a14:useLocalDpi xmlns:a14="http://schemas.microsoft.com/office/drawing/2010/main" val="0"/>
+              </a:ext>
+            </a:extLst>
+          </a:blip>
+          <a:srcRect/>
+          <a:stretch>
+            <a:fillRect/>
+          </a:stretch>
+        </p:blipFill>
+        <p:spPr bwMode="auto">
+          <a:xfrm>
+            <a:off x="1929708" y="1814655"/>
+            <a:ext cx="2368076" cy="2062103"/>
+          </a:xfrm>
+          <a:prstGeom prst="rect">
+            <a:avLst/>
+          </a:prstGeom>
+          <a:noFill/>
+          <a:extLst>
+            <a:ext uri="{909E8E84-426E-40DD-AFC4-6F175D3DCCD1}">
+              <a14:hiddenFill xmlns:a14="http://schemas.microsoft.com/office/drawing/2010/main">
+                <a:solidFill>
+                  <a:srgbClr val="FFFFFF"/>
+                </a:solidFill>
+              </a14:hiddenFill>
+            </a:ext>
+          </a:extLst>
+        </p:spPr>
+      </p:pic>
+      <p:sp>
+        <p:nvSpPr>
+          <p:cNvPr id="6" name="TextBox 5">
+            <a:extLst>
+              <a:ext uri="{FF2B5EF4-FFF2-40B4-BE49-F238E27FC236}">
+                <a16:creationId xmlns:a16="http://schemas.microsoft.com/office/drawing/2014/main" id="{1ACB3BA0-A8B2-494D-9DB3-1C520F0C9680}"/>
+              </a:ext>
+            </a:extLst>
+          </p:cNvPr>
+          <p:cNvSpPr txBox="1"/>
+          <p:nvPr/>
+        </p:nvSpPr>
+        <p:spPr>
+          <a:xfrm>
+            <a:off x="5113935" y="4312822"/>
+            <a:ext cx="1306768" cy="338554"/>
+          </a:xfrm>
+          <a:prstGeom prst="rect">
+            <a:avLst/>
+          </a:prstGeom>
+          <a:solidFill>
+            <a:srgbClr val="0432FF"/>
+          </a:solidFill>
+          <a:ln>
+            <a:solidFill>
+              <a:schemeClr val="bg1"/>
+            </a:solidFill>
+          </a:ln>
+        </p:spPr>
+        <p:txBody>
+          <a:bodyPr wrap="none" rtlCol="0">
+            <a:spAutoFit/>
+          </a:bodyPr>
+          <a:lstStyle/>
+          <a:p>
+            <a:pPr algn="l"/>
+            <a:r>
+              <a:rPr lang="en-US" sz="1600" dirty="0">
+                <a:latin typeface="Comic Sans MS" panose="030F0902030302020204" pitchFamily="66" charset="0"/>
+              </a:rPr>
+              <a:t>Post Review</a:t>
+            </a:r>
+          </a:p>
+        </p:txBody>
+      </p:sp>
+    </p:spTree>
+    <p:extLst>
+      <p:ext uri="{BB962C8B-B14F-4D97-AF65-F5344CB8AC3E}">
+        <p14:creationId xmlns:p14="http://schemas.microsoft.com/office/powerpoint/2010/main" val="1706834115"/>
       </p:ext>
     </p:extLst>
   </p:cSld>
@@ -16083,6 +17085,1265 @@
     <p:extLst>
       <p:ext uri="{BB962C8B-B14F-4D97-AF65-F5344CB8AC3E}">
         <p14:creationId xmlns:p14="http://schemas.microsoft.com/office/powerpoint/2010/main" val="2761528036"/>
+      </p:ext>
+    </p:extLst>
+  </p:cSld>
+  <p:clrMapOvr>
+    <a:masterClrMapping/>
+  </p:clrMapOvr>
+</p:sld>
+</file>
+
+<file path=ppt/slides/slide20.xml><?xml version="1.0" encoding="utf-8"?>
+<p:sld xmlns:a="http://schemas.openxmlformats.org/drawingml/2006/main" xmlns:r="http://schemas.openxmlformats.org/officeDocument/2006/relationships" xmlns:p="http://schemas.openxmlformats.org/presentationml/2006/main">
+  <p:cSld>
+    <p:spTree>
+      <p:nvGrpSpPr>
+        <p:cNvPr id="1" name=""/>
+        <p:cNvGrpSpPr/>
+        <p:nvPr/>
+      </p:nvGrpSpPr>
+      <p:grpSpPr>
+        <a:xfrm>
+          <a:off x="0" y="0"/>
+          <a:ext cx="0" cy="0"/>
+          <a:chOff x="0" y="0"/>
+          <a:chExt cx="0" cy="0"/>
+        </a:xfrm>
+      </p:grpSpPr>
+      <p:sp>
+        <p:nvSpPr>
+          <p:cNvPr id="2" name="TextBox 1">
+            <a:extLst>
+              <a:ext uri="{FF2B5EF4-FFF2-40B4-BE49-F238E27FC236}">
+                <a16:creationId xmlns:a16="http://schemas.microsoft.com/office/drawing/2014/main" id="{221DED5B-F56B-0F43-A308-4F2DD034B5B7}"/>
+              </a:ext>
+            </a:extLst>
+          </p:cNvPr>
+          <p:cNvSpPr txBox="1"/>
+          <p:nvPr/>
+        </p:nvSpPr>
+        <p:spPr>
+          <a:xfrm>
+            <a:off x="1923798" y="1266033"/>
+            <a:ext cx="1358064" cy="338554"/>
+          </a:xfrm>
+          <a:prstGeom prst="rect">
+            <a:avLst/>
+          </a:prstGeom>
+          <a:noFill/>
+        </p:spPr>
+        <p:txBody>
+          <a:bodyPr wrap="none" rtlCol="0">
+            <a:spAutoFit/>
+          </a:bodyPr>
+          <a:lstStyle/>
+          <a:p>
+            <a:r>
+              <a:rPr lang="en-US" sz="1600" b="1" dirty="0">
+                <a:solidFill>
+                  <a:schemeClr val="bg1"/>
+                </a:solidFill>
+                <a:latin typeface="Comic Sans MS" panose="030F0902030302020204" pitchFamily="66" charset="0"/>
+              </a:rPr>
+              <a:t>New Review</a:t>
+            </a:r>
+          </a:p>
+        </p:txBody>
+      </p:sp>
+      <p:sp>
+        <p:nvSpPr>
+          <p:cNvPr id="7" name="TextBox 6">
+            <a:extLst>
+              <a:ext uri="{FF2B5EF4-FFF2-40B4-BE49-F238E27FC236}">
+                <a16:creationId xmlns:a16="http://schemas.microsoft.com/office/drawing/2014/main" id="{F3573DF9-457D-7948-8B22-DB5337292FA7}"/>
+              </a:ext>
+            </a:extLst>
+          </p:cNvPr>
+          <p:cNvSpPr txBox="1"/>
+          <p:nvPr/>
+        </p:nvSpPr>
+        <p:spPr>
+          <a:xfrm>
+            <a:off x="1784068" y="292529"/>
+            <a:ext cx="1938351" cy="276999"/>
+          </a:xfrm>
+          <a:prstGeom prst="rect">
+            <a:avLst/>
+          </a:prstGeom>
+          <a:noFill/>
+        </p:spPr>
+        <p:txBody>
+          <a:bodyPr wrap="none" rtlCol="0">
+            <a:spAutoFit/>
+          </a:bodyPr>
+          <a:lstStyle/>
+          <a:p>
+            <a:r>
+              <a:rPr lang="en-US" sz="1200" dirty="0" err="1">
+                <a:solidFill>
+                  <a:schemeClr val="bg1"/>
+                </a:solidFill>
+                <a:latin typeface="Comic Sans MS" panose="030F0902030302020204" pitchFamily="66" charset="0"/>
+              </a:rPr>
+              <a:t>SellbackMart</a:t>
+            </a:r>
+            <a:r>
+              <a:rPr lang="en-US" sz="1200" dirty="0">
+                <a:solidFill>
+                  <a:schemeClr val="bg1"/>
+                </a:solidFill>
+                <a:latin typeface="Comic Sans MS" panose="030F0902030302020204" pitchFamily="66" charset="0"/>
+              </a:rPr>
+              <a:t>-New Item</a:t>
+            </a:r>
+          </a:p>
+        </p:txBody>
+      </p:sp>
+      <p:sp>
+        <p:nvSpPr>
+          <p:cNvPr id="8" name="TextBox 7">
+            <a:extLst>
+              <a:ext uri="{FF2B5EF4-FFF2-40B4-BE49-F238E27FC236}">
+                <a16:creationId xmlns:a16="http://schemas.microsoft.com/office/drawing/2014/main" id="{49DF0299-C639-944C-9F0E-91BE71AC7E52}"/>
+              </a:ext>
+            </a:extLst>
+          </p:cNvPr>
+          <p:cNvSpPr txBox="1"/>
+          <p:nvPr/>
+        </p:nvSpPr>
+        <p:spPr>
+          <a:xfrm>
+            <a:off x="2233351" y="581403"/>
+            <a:ext cx="2587568" cy="276999"/>
+          </a:xfrm>
+          <a:prstGeom prst="rect">
+            <a:avLst/>
+          </a:prstGeom>
+          <a:noFill/>
+        </p:spPr>
+        <p:txBody>
+          <a:bodyPr wrap="none" rtlCol="0">
+            <a:spAutoFit/>
+          </a:bodyPr>
+          <a:lstStyle/>
+          <a:p>
+            <a:r>
+              <a:rPr lang="en-US" sz="1200" dirty="0">
+                <a:solidFill>
+                  <a:schemeClr val="bg1"/>
+                </a:solidFill>
+                <a:latin typeface="Comic Sans MS" panose="030F0902030302020204" pitchFamily="66" charset="0"/>
+              </a:rPr>
+              <a:t>http://localhost:3000/items/new</a:t>
+            </a:r>
+          </a:p>
+        </p:txBody>
+      </p:sp>
+      <p:sp>
+        <p:nvSpPr>
+          <p:cNvPr id="10" name="TextBox 9">
+            <a:extLst>
+              <a:ext uri="{FF2B5EF4-FFF2-40B4-BE49-F238E27FC236}">
+                <a16:creationId xmlns:a16="http://schemas.microsoft.com/office/drawing/2014/main" id="{C8E10E37-1019-8D4C-BA6F-9A6E9CF0D317}"/>
+              </a:ext>
+            </a:extLst>
+          </p:cNvPr>
+          <p:cNvSpPr txBox="1"/>
+          <p:nvPr/>
+        </p:nvSpPr>
+        <p:spPr>
+          <a:xfrm>
+            <a:off x="1913403" y="1826264"/>
+            <a:ext cx="1149674" cy="2677656"/>
+          </a:xfrm>
+          <a:prstGeom prst="rect">
+            <a:avLst/>
+          </a:prstGeom>
+          <a:noFill/>
+        </p:spPr>
+        <p:txBody>
+          <a:bodyPr wrap="none" rtlCol="0">
+            <a:spAutoFit/>
+          </a:bodyPr>
+          <a:lstStyle/>
+          <a:p>
+            <a:r>
+              <a:rPr lang="en-US" sz="1400" dirty="0">
+                <a:solidFill>
+                  <a:schemeClr val="bg1"/>
+                </a:solidFill>
+                <a:latin typeface="Comic Sans MS" panose="030F0902030302020204" pitchFamily="66" charset="0"/>
+              </a:rPr>
+              <a:t>Item</a:t>
+            </a:r>
+          </a:p>
+          <a:p>
+            <a:endParaRPr lang="en-US" sz="1400" dirty="0">
+              <a:solidFill>
+                <a:schemeClr val="bg1"/>
+              </a:solidFill>
+              <a:latin typeface="Comic Sans MS" panose="030F0902030302020204" pitchFamily="66" charset="0"/>
+            </a:endParaRPr>
+          </a:p>
+          <a:p>
+            <a:endParaRPr lang="en-US" sz="1400" dirty="0">
+              <a:solidFill>
+                <a:schemeClr val="bg1"/>
+              </a:solidFill>
+              <a:latin typeface="Comic Sans MS" panose="030F0902030302020204" pitchFamily="66" charset="0"/>
+            </a:endParaRPr>
+          </a:p>
+          <a:p>
+            <a:endParaRPr lang="en-US" sz="1400" dirty="0">
+              <a:solidFill>
+                <a:schemeClr val="bg1"/>
+              </a:solidFill>
+              <a:latin typeface="Comic Sans MS" panose="030F0902030302020204" pitchFamily="66" charset="0"/>
+            </a:endParaRPr>
+          </a:p>
+          <a:p>
+            <a:r>
+              <a:rPr lang="en-US" sz="1400" dirty="0">
+                <a:solidFill>
+                  <a:schemeClr val="bg1"/>
+                </a:solidFill>
+                <a:latin typeface="Comic Sans MS" panose="030F0902030302020204" pitchFamily="66" charset="0"/>
+              </a:rPr>
+              <a:t>Description</a:t>
+            </a:r>
+          </a:p>
+          <a:p>
+            <a:endParaRPr lang="en-US" sz="1400" dirty="0">
+              <a:solidFill>
+                <a:schemeClr val="bg1"/>
+              </a:solidFill>
+              <a:latin typeface="Comic Sans MS" panose="030F0902030302020204" pitchFamily="66" charset="0"/>
+            </a:endParaRPr>
+          </a:p>
+          <a:p>
+            <a:endParaRPr lang="en-US" sz="1400" dirty="0">
+              <a:solidFill>
+                <a:schemeClr val="bg1"/>
+              </a:solidFill>
+              <a:latin typeface="Comic Sans MS" panose="030F0902030302020204" pitchFamily="66" charset="0"/>
+            </a:endParaRPr>
+          </a:p>
+          <a:p>
+            <a:endParaRPr lang="en-US" sz="1400" dirty="0">
+              <a:solidFill>
+                <a:schemeClr val="bg1"/>
+              </a:solidFill>
+              <a:latin typeface="Comic Sans MS" panose="030F0902030302020204" pitchFamily="66" charset="0"/>
+            </a:endParaRPr>
+          </a:p>
+          <a:p>
+            <a:endParaRPr lang="en-US" sz="1400" dirty="0">
+              <a:solidFill>
+                <a:schemeClr val="bg1"/>
+              </a:solidFill>
+              <a:latin typeface="Comic Sans MS" panose="030F0902030302020204" pitchFamily="66" charset="0"/>
+            </a:endParaRPr>
+          </a:p>
+          <a:p>
+            <a:endParaRPr lang="en-US" sz="1400" u="sng" dirty="0">
+              <a:solidFill>
+                <a:srgbClr val="0432FF"/>
+              </a:solidFill>
+              <a:latin typeface="Comic Sans MS" panose="030F0902030302020204" pitchFamily="66" charset="0"/>
+            </a:endParaRPr>
+          </a:p>
+          <a:p>
+            <a:endParaRPr lang="en-US" sz="1400" u="sng" dirty="0">
+              <a:solidFill>
+                <a:srgbClr val="0432FF"/>
+              </a:solidFill>
+              <a:latin typeface="Comic Sans MS" panose="030F0902030302020204" pitchFamily="66" charset="0"/>
+            </a:endParaRPr>
+          </a:p>
+          <a:p>
+            <a:r>
+              <a:rPr lang="en-US" sz="1400" u="sng" dirty="0">
+                <a:solidFill>
+                  <a:srgbClr val="0432FF"/>
+                </a:solidFill>
+                <a:latin typeface="Comic Sans MS" panose="030F0902030302020204" pitchFamily="66" charset="0"/>
+              </a:rPr>
+              <a:t>Back</a:t>
+            </a:r>
+          </a:p>
+        </p:txBody>
+      </p:sp>
+      <p:sp>
+        <p:nvSpPr>
+          <p:cNvPr id="4" name="TextBox 3">
+            <a:extLst>
+              <a:ext uri="{FF2B5EF4-FFF2-40B4-BE49-F238E27FC236}">
+                <a16:creationId xmlns:a16="http://schemas.microsoft.com/office/drawing/2014/main" id="{32820AB9-7CA6-8F41-A812-9F4C46331562}"/>
+              </a:ext>
+            </a:extLst>
+          </p:cNvPr>
+          <p:cNvSpPr txBox="1"/>
+          <p:nvPr/>
+        </p:nvSpPr>
+        <p:spPr>
+          <a:xfrm>
+            <a:off x="2006065" y="2123495"/>
+            <a:ext cx="3610099" cy="307777"/>
+          </a:xfrm>
+          <a:prstGeom prst="rect">
+            <a:avLst/>
+          </a:prstGeom>
+          <a:noFill/>
+          <a:ln>
+            <a:solidFill>
+              <a:schemeClr val="bg1"/>
+            </a:solidFill>
+          </a:ln>
+        </p:spPr>
+        <p:txBody>
+          <a:bodyPr wrap="square" rtlCol="0">
+            <a:spAutoFit/>
+          </a:bodyPr>
+          <a:lstStyle/>
+          <a:p>
+            <a:pPr algn="l"/>
+            <a:r>
+              <a:rPr lang="en-US" sz="1400" dirty="0">
+                <a:solidFill>
+                  <a:schemeClr val="bg1"/>
+                </a:solidFill>
+                <a:latin typeface="Comic Sans MS" panose="030F0902030302020204" pitchFamily="66" charset="0"/>
+              </a:rPr>
+              <a:t>Please select</a:t>
+            </a:r>
+          </a:p>
+        </p:txBody>
+      </p:sp>
+      <p:sp>
+        <p:nvSpPr>
+          <p:cNvPr id="11" name="TextBox 10">
+            <a:extLst>
+              <a:ext uri="{FF2B5EF4-FFF2-40B4-BE49-F238E27FC236}">
+                <a16:creationId xmlns:a16="http://schemas.microsoft.com/office/drawing/2014/main" id="{5880DF0C-DDBC-A243-8BC6-846ACCD4FA07}"/>
+              </a:ext>
+            </a:extLst>
+          </p:cNvPr>
+          <p:cNvSpPr txBox="1"/>
+          <p:nvPr/>
+        </p:nvSpPr>
+        <p:spPr>
+          <a:xfrm>
+            <a:off x="2006065" y="3044002"/>
+            <a:ext cx="3610099" cy="307777"/>
+          </a:xfrm>
+          <a:prstGeom prst="rect">
+            <a:avLst/>
+          </a:prstGeom>
+          <a:noFill/>
+          <a:ln>
+            <a:solidFill>
+              <a:schemeClr val="bg1"/>
+            </a:solidFill>
+          </a:ln>
+        </p:spPr>
+        <p:txBody>
+          <a:bodyPr wrap="square" rtlCol="0">
+            <a:spAutoFit/>
+          </a:bodyPr>
+          <a:lstStyle/>
+          <a:p>
+            <a:pPr algn="l"/>
+            <a:endParaRPr lang="en-US" sz="1400" dirty="0">
+              <a:solidFill>
+                <a:schemeClr val="bg1"/>
+              </a:solidFill>
+              <a:latin typeface="Comic Sans MS" panose="030F0902030302020204" pitchFamily="66" charset="0"/>
+            </a:endParaRPr>
+          </a:p>
+        </p:txBody>
+      </p:sp>
+      <p:sp>
+        <p:nvSpPr>
+          <p:cNvPr id="5" name="Rounded Rectangle 4">
+            <a:extLst>
+              <a:ext uri="{FF2B5EF4-FFF2-40B4-BE49-F238E27FC236}">
+                <a16:creationId xmlns:a16="http://schemas.microsoft.com/office/drawing/2014/main" id="{1376ECFE-A6F2-6C42-A904-0E15AFF7920D}"/>
+              </a:ext>
+            </a:extLst>
+          </p:cNvPr>
+          <p:cNvSpPr/>
+          <p:nvPr/>
+        </p:nvSpPr>
+        <p:spPr>
+          <a:xfrm>
+            <a:off x="1954471" y="3696939"/>
+            <a:ext cx="1771663" cy="327860"/>
+          </a:xfrm>
+          <a:prstGeom prst="roundRect">
+            <a:avLst/>
+          </a:prstGeom>
+          <a:solidFill>
+            <a:srgbClr val="0432FF"/>
+          </a:solidFill>
+          <a:ln>
+            <a:solidFill>
+              <a:schemeClr val="bg1"/>
+            </a:solidFill>
+          </a:ln>
+        </p:spPr>
+        <p:style>
+          <a:lnRef idx="2">
+            <a:schemeClr val="accent1">
+              <a:shade val="50000"/>
+            </a:schemeClr>
+          </a:lnRef>
+          <a:fillRef idx="1">
+            <a:schemeClr val="accent1"/>
+          </a:fillRef>
+          <a:effectRef idx="0">
+            <a:schemeClr val="accent1"/>
+          </a:effectRef>
+          <a:fontRef idx="minor">
+            <a:schemeClr val="lt1"/>
+          </a:fontRef>
+        </p:style>
+        <p:txBody>
+          <a:bodyPr rtlCol="0" anchor="ctr"/>
+          <a:lstStyle/>
+          <a:p>
+            <a:pPr algn="r"/>
+            <a:r>
+              <a:rPr lang="en-US" sz="1400" dirty="0">
+                <a:solidFill>
+                  <a:schemeClr val="tx1"/>
+                </a:solidFill>
+                <a:latin typeface="Comic Sans MS" panose="030F0902030302020204" pitchFamily="66" charset="0"/>
+              </a:rPr>
+              <a:t>Post Item Review</a:t>
+            </a:r>
+          </a:p>
+        </p:txBody>
+      </p:sp>
+      <p:sp>
+        <p:nvSpPr>
+          <p:cNvPr id="3" name="Triangle 2">
+            <a:extLst>
+              <a:ext uri="{FF2B5EF4-FFF2-40B4-BE49-F238E27FC236}">
+                <a16:creationId xmlns:a16="http://schemas.microsoft.com/office/drawing/2014/main" id="{5F9400FE-0C26-6A4E-ACDE-0A649B57EB8F}"/>
+              </a:ext>
+            </a:extLst>
+          </p:cNvPr>
+          <p:cNvSpPr/>
+          <p:nvPr/>
+        </p:nvSpPr>
+        <p:spPr>
+          <a:xfrm rot="10800000">
+            <a:off x="5274404" y="2221536"/>
+            <a:ext cx="238500" cy="175033"/>
+          </a:xfrm>
+          <a:prstGeom prst="triangle">
+            <a:avLst/>
+          </a:prstGeom>
+          <a:solidFill>
+            <a:schemeClr val="tx2"/>
+          </a:solidFill>
+        </p:spPr>
+        <p:style>
+          <a:lnRef idx="2">
+            <a:schemeClr val="accent1">
+              <a:shade val="50000"/>
+            </a:schemeClr>
+          </a:lnRef>
+          <a:fillRef idx="1">
+            <a:schemeClr val="accent1"/>
+          </a:fillRef>
+          <a:effectRef idx="0">
+            <a:schemeClr val="accent1"/>
+          </a:effectRef>
+          <a:fontRef idx="minor">
+            <a:schemeClr val="lt1"/>
+          </a:fontRef>
+        </p:style>
+        <p:txBody>
+          <a:bodyPr rtlCol="0" anchor="ctr"/>
+          <a:lstStyle/>
+          <a:p>
+            <a:pPr algn="ctr"/>
+            <a:endParaRPr lang="en-US" dirty="0"/>
+          </a:p>
+        </p:txBody>
+      </p:sp>
+      <p:cxnSp>
+        <p:nvCxnSpPr>
+          <p:cNvPr id="32" name="Straight Arrow Connector 31">
+            <a:extLst>
+              <a:ext uri="{FF2B5EF4-FFF2-40B4-BE49-F238E27FC236}">
+                <a16:creationId xmlns:a16="http://schemas.microsoft.com/office/drawing/2014/main" id="{384FBB7B-8473-E04A-89B1-1D0EF7D0B7A8}"/>
+              </a:ext>
+            </a:extLst>
+          </p:cNvPr>
+          <p:cNvCxnSpPr>
+            <a:cxnSpLocks/>
+            <a:stCxn id="9" idx="1"/>
+          </p:cNvCxnSpPr>
+          <p:nvPr/>
+        </p:nvCxnSpPr>
+        <p:spPr>
+          <a:xfrm flipH="1">
+            <a:off x="5708827" y="2008313"/>
+            <a:ext cx="1457738" cy="256440"/>
+          </a:xfrm>
+          <a:prstGeom prst="straightConnector1">
+            <a:avLst/>
+          </a:prstGeom>
+          <a:ln w="47625">
+            <a:tailEnd type="triangle"/>
+          </a:ln>
+        </p:spPr>
+        <p:style>
+          <a:lnRef idx="1">
+            <a:schemeClr val="accent1"/>
+          </a:lnRef>
+          <a:fillRef idx="0">
+            <a:schemeClr val="accent1"/>
+          </a:fillRef>
+          <a:effectRef idx="0">
+            <a:schemeClr val="accent1"/>
+          </a:effectRef>
+          <a:fontRef idx="minor">
+            <a:schemeClr val="tx1"/>
+          </a:fontRef>
+        </p:style>
+      </p:cxnSp>
+      <p:sp>
+        <p:nvSpPr>
+          <p:cNvPr id="26" name="Rectangle 25">
+            <a:extLst>
+              <a:ext uri="{FF2B5EF4-FFF2-40B4-BE49-F238E27FC236}">
+                <a16:creationId xmlns:a16="http://schemas.microsoft.com/office/drawing/2014/main" id="{816F7272-CDBA-8C4B-8FE7-15C1FF6845BF}"/>
+              </a:ext>
+            </a:extLst>
+          </p:cNvPr>
+          <p:cNvSpPr/>
+          <p:nvPr/>
+        </p:nvSpPr>
+        <p:spPr>
+          <a:xfrm>
+            <a:off x="1188497" y="869150"/>
+            <a:ext cx="9832769" cy="344384"/>
+          </a:xfrm>
+          <a:prstGeom prst="rect">
+            <a:avLst/>
+          </a:prstGeom>
+          <a:solidFill>
+            <a:schemeClr val="tx1"/>
+          </a:solidFill>
+          <a:ln>
+            <a:noFill/>
+          </a:ln>
+        </p:spPr>
+        <p:style>
+          <a:lnRef idx="2">
+            <a:schemeClr val="accent1">
+              <a:shade val="50000"/>
+            </a:schemeClr>
+          </a:lnRef>
+          <a:fillRef idx="1">
+            <a:schemeClr val="accent1"/>
+          </a:fillRef>
+          <a:effectRef idx="0">
+            <a:schemeClr val="accent1"/>
+          </a:effectRef>
+          <a:fontRef idx="minor">
+            <a:schemeClr val="lt1"/>
+          </a:fontRef>
+        </p:style>
+        <p:txBody>
+          <a:bodyPr rtlCol="0" anchor="ctr"/>
+          <a:lstStyle/>
+          <a:p>
+            <a:r>
+              <a:rPr lang="en-US" sz="1400" dirty="0">
+                <a:solidFill>
+                  <a:schemeClr val="accent1">
+                    <a:lumMod val="50000"/>
+                  </a:schemeClr>
+                </a:solidFill>
+                <a:latin typeface="Comic Sans MS" panose="030F0902030302020204" pitchFamily="66" charset="0"/>
+              </a:rPr>
+              <a:t> </a:t>
+            </a:r>
+            <a:r>
+              <a:rPr lang="en-US" sz="2400" b="1" dirty="0" err="1">
+                <a:solidFill>
+                  <a:schemeClr val="accent1">
+                    <a:lumMod val="50000"/>
+                  </a:schemeClr>
+                </a:solidFill>
+                <a:latin typeface="Comic Sans MS" panose="030F0902030302020204" pitchFamily="66" charset="0"/>
+              </a:rPr>
+              <a:t>SellBack</a:t>
+            </a:r>
+            <a:r>
+              <a:rPr lang="en-US" sz="2400" b="1" dirty="0" err="1">
+                <a:solidFill>
+                  <a:schemeClr val="accent1">
+                    <a:lumMod val="60000"/>
+                    <a:lumOff val="40000"/>
+                  </a:schemeClr>
+                </a:solidFill>
+                <a:latin typeface="Comic Sans MS" panose="030F0902030302020204" pitchFamily="66" charset="0"/>
+              </a:rPr>
+              <a:t>Mart</a:t>
+            </a:r>
+            <a:endParaRPr lang="en-US" sz="1400" b="1" dirty="0">
+              <a:solidFill>
+                <a:schemeClr val="accent1">
+                  <a:lumMod val="60000"/>
+                  <a:lumOff val="40000"/>
+                </a:schemeClr>
+              </a:solidFill>
+              <a:latin typeface="Comic Sans MS" panose="030F0902030302020204" pitchFamily="66" charset="0"/>
+            </a:endParaRPr>
+          </a:p>
+        </p:txBody>
+      </p:sp>
+      <p:sp>
+        <p:nvSpPr>
+          <p:cNvPr id="27" name="Rectangle 26">
+            <a:extLst>
+              <a:ext uri="{FF2B5EF4-FFF2-40B4-BE49-F238E27FC236}">
+                <a16:creationId xmlns:a16="http://schemas.microsoft.com/office/drawing/2014/main" id="{97DCF38F-321F-6B4E-97DD-0ED3FE4EAE82}"/>
+              </a:ext>
+            </a:extLst>
+          </p:cNvPr>
+          <p:cNvSpPr/>
+          <p:nvPr/>
+        </p:nvSpPr>
+        <p:spPr>
+          <a:xfrm>
+            <a:off x="6911440" y="865442"/>
+            <a:ext cx="4044384" cy="344384"/>
+          </a:xfrm>
+          <a:prstGeom prst="rect">
+            <a:avLst/>
+          </a:prstGeom>
+          <a:solidFill>
+            <a:schemeClr val="tx1"/>
+          </a:solidFill>
+          <a:ln>
+            <a:noFill/>
+          </a:ln>
+        </p:spPr>
+        <p:style>
+          <a:lnRef idx="2">
+            <a:schemeClr val="accent1">
+              <a:shade val="50000"/>
+            </a:schemeClr>
+          </a:lnRef>
+          <a:fillRef idx="1">
+            <a:schemeClr val="accent1"/>
+          </a:fillRef>
+          <a:effectRef idx="0">
+            <a:schemeClr val="accent1"/>
+          </a:effectRef>
+          <a:fontRef idx="minor">
+            <a:schemeClr val="lt1"/>
+          </a:fontRef>
+        </p:style>
+        <p:txBody>
+          <a:bodyPr rtlCol="0" anchor="ctr"/>
+          <a:lstStyle/>
+          <a:p>
+            <a:pPr algn="r"/>
+            <a:r>
+              <a:rPr lang="en-US" sz="1400" dirty="0">
+                <a:solidFill>
+                  <a:schemeClr val="bg2">
+                    <a:lumMod val="50000"/>
+                  </a:schemeClr>
+                </a:solidFill>
+                <a:latin typeface="Comic Sans MS" panose="030F0902030302020204" pitchFamily="66" charset="0"/>
+              </a:rPr>
+              <a:t>Catalog     Users Profile    Username</a:t>
+            </a:r>
+          </a:p>
+        </p:txBody>
+      </p:sp>
+      <p:sp>
+        <p:nvSpPr>
+          <p:cNvPr id="9" name="TextBox 8">
+            <a:extLst>
+              <a:ext uri="{FF2B5EF4-FFF2-40B4-BE49-F238E27FC236}">
+                <a16:creationId xmlns:a16="http://schemas.microsoft.com/office/drawing/2014/main" id="{4F90826C-A988-7D45-8170-D9E60CF229BB}"/>
+              </a:ext>
+            </a:extLst>
+          </p:cNvPr>
+          <p:cNvSpPr txBox="1"/>
+          <p:nvPr/>
+        </p:nvSpPr>
+        <p:spPr>
+          <a:xfrm>
+            <a:off x="7166565" y="1715925"/>
+            <a:ext cx="1585549" cy="584775"/>
+          </a:xfrm>
+          <a:prstGeom prst="rect">
+            <a:avLst/>
+          </a:prstGeom>
+          <a:solidFill>
+            <a:schemeClr val="accent4">
+              <a:lumMod val="40000"/>
+              <a:lumOff val="60000"/>
+            </a:schemeClr>
+          </a:solidFill>
+          <a:ln>
+            <a:solidFill>
+              <a:schemeClr val="bg1"/>
+            </a:solidFill>
+          </a:ln>
+        </p:spPr>
+        <p:txBody>
+          <a:bodyPr wrap="square" rtlCol="0">
+            <a:spAutoFit/>
+          </a:bodyPr>
+          <a:lstStyle/>
+          <a:p>
+            <a:pPr algn="l"/>
+            <a:r>
+              <a:rPr lang="en-US" sz="1600" dirty="0">
+                <a:solidFill>
+                  <a:schemeClr val="bg1"/>
+                </a:solidFill>
+                <a:latin typeface="Comic Sans MS" panose="030F0902030302020204" pitchFamily="66" charset="0"/>
+              </a:rPr>
+              <a:t>Contains items of the seller</a:t>
+            </a:r>
+          </a:p>
+        </p:txBody>
+      </p:sp>
+    </p:spTree>
+    <p:extLst>
+      <p:ext uri="{BB962C8B-B14F-4D97-AF65-F5344CB8AC3E}">
+        <p14:creationId xmlns:p14="http://schemas.microsoft.com/office/powerpoint/2010/main" val="3075584312"/>
+      </p:ext>
+    </p:extLst>
+  </p:cSld>
+  <p:clrMapOvr>
+    <a:masterClrMapping/>
+  </p:clrMapOvr>
+</p:sld>
+</file>
+
+<file path=ppt/slides/slide21.xml><?xml version="1.0" encoding="utf-8"?>
+<p:sld xmlns:a="http://schemas.openxmlformats.org/drawingml/2006/main" xmlns:r="http://schemas.openxmlformats.org/officeDocument/2006/relationships" xmlns:p="http://schemas.openxmlformats.org/presentationml/2006/main">
+  <p:cSld>
+    <p:spTree>
+      <p:nvGrpSpPr>
+        <p:cNvPr id="1" name=""/>
+        <p:cNvGrpSpPr/>
+        <p:nvPr/>
+      </p:nvGrpSpPr>
+      <p:grpSpPr>
+        <a:xfrm>
+          <a:off x="0" y="0"/>
+          <a:ext cx="0" cy="0"/>
+          <a:chOff x="0" y="0"/>
+          <a:chExt cx="0" cy="0"/>
+        </a:xfrm>
+      </p:grpSpPr>
+      <p:sp>
+        <p:nvSpPr>
+          <p:cNvPr id="2" name="TextBox 1">
+            <a:extLst>
+              <a:ext uri="{FF2B5EF4-FFF2-40B4-BE49-F238E27FC236}">
+                <a16:creationId xmlns:a16="http://schemas.microsoft.com/office/drawing/2014/main" id="{221DED5B-F56B-0F43-A308-4F2DD034B5B7}"/>
+              </a:ext>
+            </a:extLst>
+          </p:cNvPr>
+          <p:cNvSpPr txBox="1"/>
+          <p:nvPr/>
+        </p:nvSpPr>
+        <p:spPr>
+          <a:xfrm>
+            <a:off x="1923798" y="1266033"/>
+            <a:ext cx="1337226" cy="338554"/>
+          </a:xfrm>
+          <a:prstGeom prst="rect">
+            <a:avLst/>
+          </a:prstGeom>
+          <a:noFill/>
+        </p:spPr>
+        <p:txBody>
+          <a:bodyPr wrap="none" rtlCol="0">
+            <a:spAutoFit/>
+          </a:bodyPr>
+          <a:lstStyle/>
+          <a:p>
+            <a:r>
+              <a:rPr lang="en-US" sz="1600" b="1" dirty="0">
+                <a:solidFill>
+                  <a:schemeClr val="bg1"/>
+                </a:solidFill>
+                <a:latin typeface="Comic Sans MS" panose="030F0902030302020204" pitchFamily="66" charset="0"/>
+              </a:rPr>
+              <a:t>Edit Review</a:t>
+            </a:r>
+          </a:p>
+        </p:txBody>
+      </p:sp>
+      <p:sp>
+        <p:nvSpPr>
+          <p:cNvPr id="7" name="TextBox 6">
+            <a:extLst>
+              <a:ext uri="{FF2B5EF4-FFF2-40B4-BE49-F238E27FC236}">
+                <a16:creationId xmlns:a16="http://schemas.microsoft.com/office/drawing/2014/main" id="{F3573DF9-457D-7948-8B22-DB5337292FA7}"/>
+              </a:ext>
+            </a:extLst>
+          </p:cNvPr>
+          <p:cNvSpPr txBox="1"/>
+          <p:nvPr/>
+        </p:nvSpPr>
+        <p:spPr>
+          <a:xfrm>
+            <a:off x="1784068" y="292529"/>
+            <a:ext cx="1938351" cy="276999"/>
+          </a:xfrm>
+          <a:prstGeom prst="rect">
+            <a:avLst/>
+          </a:prstGeom>
+          <a:noFill/>
+        </p:spPr>
+        <p:txBody>
+          <a:bodyPr wrap="none" rtlCol="0">
+            <a:spAutoFit/>
+          </a:bodyPr>
+          <a:lstStyle/>
+          <a:p>
+            <a:r>
+              <a:rPr lang="en-US" sz="1200" dirty="0" err="1">
+                <a:solidFill>
+                  <a:schemeClr val="bg1"/>
+                </a:solidFill>
+                <a:latin typeface="Comic Sans MS" panose="030F0902030302020204" pitchFamily="66" charset="0"/>
+              </a:rPr>
+              <a:t>SellbackMart</a:t>
+            </a:r>
+            <a:r>
+              <a:rPr lang="en-US" sz="1200" dirty="0">
+                <a:solidFill>
+                  <a:schemeClr val="bg1"/>
+                </a:solidFill>
+                <a:latin typeface="Comic Sans MS" panose="030F0902030302020204" pitchFamily="66" charset="0"/>
+              </a:rPr>
+              <a:t>-New Item</a:t>
+            </a:r>
+          </a:p>
+        </p:txBody>
+      </p:sp>
+      <p:sp>
+        <p:nvSpPr>
+          <p:cNvPr id="8" name="TextBox 7">
+            <a:extLst>
+              <a:ext uri="{FF2B5EF4-FFF2-40B4-BE49-F238E27FC236}">
+                <a16:creationId xmlns:a16="http://schemas.microsoft.com/office/drawing/2014/main" id="{49DF0299-C639-944C-9F0E-91BE71AC7E52}"/>
+              </a:ext>
+            </a:extLst>
+          </p:cNvPr>
+          <p:cNvSpPr txBox="1"/>
+          <p:nvPr/>
+        </p:nvSpPr>
+        <p:spPr>
+          <a:xfrm>
+            <a:off x="2233351" y="581403"/>
+            <a:ext cx="2587568" cy="276999"/>
+          </a:xfrm>
+          <a:prstGeom prst="rect">
+            <a:avLst/>
+          </a:prstGeom>
+          <a:noFill/>
+        </p:spPr>
+        <p:txBody>
+          <a:bodyPr wrap="none" rtlCol="0">
+            <a:spAutoFit/>
+          </a:bodyPr>
+          <a:lstStyle/>
+          <a:p>
+            <a:r>
+              <a:rPr lang="en-US" sz="1200" dirty="0">
+                <a:solidFill>
+                  <a:schemeClr val="bg1"/>
+                </a:solidFill>
+                <a:latin typeface="Comic Sans MS" panose="030F0902030302020204" pitchFamily="66" charset="0"/>
+              </a:rPr>
+              <a:t>http://localhost:3000/items/new</a:t>
+            </a:r>
+          </a:p>
+        </p:txBody>
+      </p:sp>
+      <p:sp>
+        <p:nvSpPr>
+          <p:cNvPr id="10" name="TextBox 9">
+            <a:extLst>
+              <a:ext uri="{FF2B5EF4-FFF2-40B4-BE49-F238E27FC236}">
+                <a16:creationId xmlns:a16="http://schemas.microsoft.com/office/drawing/2014/main" id="{C8E10E37-1019-8D4C-BA6F-9A6E9CF0D317}"/>
+              </a:ext>
+            </a:extLst>
+          </p:cNvPr>
+          <p:cNvSpPr txBox="1"/>
+          <p:nvPr/>
+        </p:nvSpPr>
+        <p:spPr>
+          <a:xfrm>
+            <a:off x="1913403" y="1826264"/>
+            <a:ext cx="1149674" cy="1815882"/>
+          </a:xfrm>
+          <a:prstGeom prst="rect">
+            <a:avLst/>
+          </a:prstGeom>
+          <a:noFill/>
+        </p:spPr>
+        <p:txBody>
+          <a:bodyPr wrap="none" rtlCol="0">
+            <a:spAutoFit/>
+          </a:bodyPr>
+          <a:lstStyle/>
+          <a:p>
+            <a:r>
+              <a:rPr lang="en-US" sz="1400" dirty="0">
+                <a:solidFill>
+                  <a:schemeClr val="bg1"/>
+                </a:solidFill>
+                <a:latin typeface="Comic Sans MS" panose="030F0902030302020204" pitchFamily="66" charset="0"/>
+              </a:rPr>
+              <a:t>Description</a:t>
+            </a:r>
+          </a:p>
+          <a:p>
+            <a:endParaRPr lang="en-US" sz="1400" dirty="0">
+              <a:solidFill>
+                <a:schemeClr val="bg1"/>
+              </a:solidFill>
+              <a:latin typeface="Comic Sans MS" panose="030F0902030302020204" pitchFamily="66" charset="0"/>
+            </a:endParaRPr>
+          </a:p>
+          <a:p>
+            <a:endParaRPr lang="en-US" sz="1400" dirty="0">
+              <a:solidFill>
+                <a:schemeClr val="bg1"/>
+              </a:solidFill>
+              <a:latin typeface="Comic Sans MS" panose="030F0902030302020204" pitchFamily="66" charset="0"/>
+            </a:endParaRPr>
+          </a:p>
+          <a:p>
+            <a:endParaRPr lang="en-US" sz="1400" dirty="0">
+              <a:solidFill>
+                <a:schemeClr val="bg1"/>
+              </a:solidFill>
+              <a:latin typeface="Comic Sans MS" panose="030F0902030302020204" pitchFamily="66" charset="0"/>
+            </a:endParaRPr>
+          </a:p>
+          <a:p>
+            <a:endParaRPr lang="en-US" sz="1400" dirty="0">
+              <a:solidFill>
+                <a:schemeClr val="bg1"/>
+              </a:solidFill>
+              <a:latin typeface="Comic Sans MS" panose="030F0902030302020204" pitchFamily="66" charset="0"/>
+            </a:endParaRPr>
+          </a:p>
+          <a:p>
+            <a:endParaRPr lang="en-US" sz="1400" u="sng" dirty="0">
+              <a:solidFill>
+                <a:srgbClr val="0432FF"/>
+              </a:solidFill>
+              <a:latin typeface="Comic Sans MS" panose="030F0902030302020204" pitchFamily="66" charset="0"/>
+            </a:endParaRPr>
+          </a:p>
+          <a:p>
+            <a:endParaRPr lang="en-US" sz="1400" u="sng" dirty="0">
+              <a:solidFill>
+                <a:srgbClr val="0432FF"/>
+              </a:solidFill>
+              <a:latin typeface="Comic Sans MS" panose="030F0902030302020204" pitchFamily="66" charset="0"/>
+            </a:endParaRPr>
+          </a:p>
+          <a:p>
+            <a:r>
+              <a:rPr lang="en-US" sz="1400" u="sng" dirty="0">
+                <a:solidFill>
+                  <a:srgbClr val="0432FF"/>
+                </a:solidFill>
+                <a:latin typeface="Comic Sans MS" panose="030F0902030302020204" pitchFamily="66" charset="0"/>
+              </a:rPr>
+              <a:t>Back</a:t>
+            </a:r>
+          </a:p>
+        </p:txBody>
+      </p:sp>
+      <p:sp>
+        <p:nvSpPr>
+          <p:cNvPr id="11" name="TextBox 10">
+            <a:extLst>
+              <a:ext uri="{FF2B5EF4-FFF2-40B4-BE49-F238E27FC236}">
+                <a16:creationId xmlns:a16="http://schemas.microsoft.com/office/drawing/2014/main" id="{5880DF0C-DDBC-A243-8BC6-846ACCD4FA07}"/>
+              </a:ext>
+            </a:extLst>
+          </p:cNvPr>
+          <p:cNvSpPr txBox="1"/>
+          <p:nvPr/>
+        </p:nvSpPr>
+        <p:spPr>
+          <a:xfrm>
+            <a:off x="1954471" y="2197485"/>
+            <a:ext cx="3610099" cy="307777"/>
+          </a:xfrm>
+          <a:prstGeom prst="rect">
+            <a:avLst/>
+          </a:prstGeom>
+          <a:noFill/>
+          <a:ln>
+            <a:solidFill>
+              <a:schemeClr val="bg1"/>
+            </a:solidFill>
+          </a:ln>
+        </p:spPr>
+        <p:txBody>
+          <a:bodyPr wrap="square" rtlCol="0">
+            <a:spAutoFit/>
+          </a:bodyPr>
+          <a:lstStyle/>
+          <a:p>
+            <a:pPr algn="l"/>
+            <a:endParaRPr lang="en-US" sz="1400" dirty="0">
+              <a:solidFill>
+                <a:schemeClr val="bg1"/>
+              </a:solidFill>
+              <a:latin typeface="Comic Sans MS" panose="030F0902030302020204" pitchFamily="66" charset="0"/>
+            </a:endParaRPr>
+          </a:p>
+        </p:txBody>
+      </p:sp>
+      <p:sp>
+        <p:nvSpPr>
+          <p:cNvPr id="5" name="Rounded Rectangle 4">
+            <a:extLst>
+              <a:ext uri="{FF2B5EF4-FFF2-40B4-BE49-F238E27FC236}">
+                <a16:creationId xmlns:a16="http://schemas.microsoft.com/office/drawing/2014/main" id="{1376ECFE-A6F2-6C42-A904-0E15AFF7920D}"/>
+              </a:ext>
+            </a:extLst>
+          </p:cNvPr>
+          <p:cNvSpPr/>
+          <p:nvPr/>
+        </p:nvSpPr>
+        <p:spPr>
+          <a:xfrm>
+            <a:off x="1954471" y="2726939"/>
+            <a:ext cx="1771663" cy="327860"/>
+          </a:xfrm>
+          <a:prstGeom prst="roundRect">
+            <a:avLst/>
+          </a:prstGeom>
+          <a:solidFill>
+            <a:srgbClr val="0432FF"/>
+          </a:solidFill>
+          <a:ln>
+            <a:solidFill>
+              <a:schemeClr val="bg1"/>
+            </a:solidFill>
+          </a:ln>
+        </p:spPr>
+        <p:style>
+          <a:lnRef idx="2">
+            <a:schemeClr val="accent1">
+              <a:shade val="50000"/>
+            </a:schemeClr>
+          </a:lnRef>
+          <a:fillRef idx="1">
+            <a:schemeClr val="accent1"/>
+          </a:fillRef>
+          <a:effectRef idx="0">
+            <a:schemeClr val="accent1"/>
+          </a:effectRef>
+          <a:fontRef idx="minor">
+            <a:schemeClr val="lt1"/>
+          </a:fontRef>
+        </p:style>
+        <p:txBody>
+          <a:bodyPr rtlCol="0" anchor="ctr"/>
+          <a:lstStyle/>
+          <a:p>
+            <a:pPr algn="r"/>
+            <a:r>
+              <a:rPr lang="en-US" sz="1400" dirty="0">
+                <a:solidFill>
+                  <a:schemeClr val="tx1"/>
+                </a:solidFill>
+                <a:latin typeface="Comic Sans MS" panose="030F0902030302020204" pitchFamily="66" charset="0"/>
+              </a:rPr>
+              <a:t>Post Item Review</a:t>
+            </a:r>
+          </a:p>
+        </p:txBody>
+      </p:sp>
+      <p:sp>
+        <p:nvSpPr>
+          <p:cNvPr id="26" name="Rectangle 25">
+            <a:extLst>
+              <a:ext uri="{FF2B5EF4-FFF2-40B4-BE49-F238E27FC236}">
+                <a16:creationId xmlns:a16="http://schemas.microsoft.com/office/drawing/2014/main" id="{816F7272-CDBA-8C4B-8FE7-15C1FF6845BF}"/>
+              </a:ext>
+            </a:extLst>
+          </p:cNvPr>
+          <p:cNvSpPr/>
+          <p:nvPr/>
+        </p:nvSpPr>
+        <p:spPr>
+          <a:xfrm>
+            <a:off x="1188497" y="869150"/>
+            <a:ext cx="9832769" cy="344384"/>
+          </a:xfrm>
+          <a:prstGeom prst="rect">
+            <a:avLst/>
+          </a:prstGeom>
+          <a:solidFill>
+            <a:schemeClr val="tx1"/>
+          </a:solidFill>
+          <a:ln>
+            <a:noFill/>
+          </a:ln>
+        </p:spPr>
+        <p:style>
+          <a:lnRef idx="2">
+            <a:schemeClr val="accent1">
+              <a:shade val="50000"/>
+            </a:schemeClr>
+          </a:lnRef>
+          <a:fillRef idx="1">
+            <a:schemeClr val="accent1"/>
+          </a:fillRef>
+          <a:effectRef idx="0">
+            <a:schemeClr val="accent1"/>
+          </a:effectRef>
+          <a:fontRef idx="minor">
+            <a:schemeClr val="lt1"/>
+          </a:fontRef>
+        </p:style>
+        <p:txBody>
+          <a:bodyPr rtlCol="0" anchor="ctr"/>
+          <a:lstStyle/>
+          <a:p>
+            <a:r>
+              <a:rPr lang="en-US" sz="1400" dirty="0">
+                <a:solidFill>
+                  <a:schemeClr val="accent1">
+                    <a:lumMod val="50000"/>
+                  </a:schemeClr>
+                </a:solidFill>
+                <a:latin typeface="Comic Sans MS" panose="030F0902030302020204" pitchFamily="66" charset="0"/>
+              </a:rPr>
+              <a:t> </a:t>
+            </a:r>
+            <a:r>
+              <a:rPr lang="en-US" sz="2400" b="1" dirty="0" err="1">
+                <a:solidFill>
+                  <a:schemeClr val="accent1">
+                    <a:lumMod val="50000"/>
+                  </a:schemeClr>
+                </a:solidFill>
+                <a:latin typeface="Comic Sans MS" panose="030F0902030302020204" pitchFamily="66" charset="0"/>
+              </a:rPr>
+              <a:t>SellBack</a:t>
+            </a:r>
+            <a:r>
+              <a:rPr lang="en-US" sz="2400" b="1" dirty="0" err="1">
+                <a:solidFill>
+                  <a:schemeClr val="accent1">
+                    <a:lumMod val="60000"/>
+                    <a:lumOff val="40000"/>
+                  </a:schemeClr>
+                </a:solidFill>
+                <a:latin typeface="Comic Sans MS" panose="030F0902030302020204" pitchFamily="66" charset="0"/>
+              </a:rPr>
+              <a:t>Mart</a:t>
+            </a:r>
+            <a:endParaRPr lang="en-US" sz="1400" b="1" dirty="0">
+              <a:solidFill>
+                <a:schemeClr val="accent1">
+                  <a:lumMod val="60000"/>
+                  <a:lumOff val="40000"/>
+                </a:schemeClr>
+              </a:solidFill>
+              <a:latin typeface="Comic Sans MS" panose="030F0902030302020204" pitchFamily="66" charset="0"/>
+            </a:endParaRPr>
+          </a:p>
+        </p:txBody>
+      </p:sp>
+      <p:sp>
+        <p:nvSpPr>
+          <p:cNvPr id="27" name="Rectangle 26">
+            <a:extLst>
+              <a:ext uri="{FF2B5EF4-FFF2-40B4-BE49-F238E27FC236}">
+                <a16:creationId xmlns:a16="http://schemas.microsoft.com/office/drawing/2014/main" id="{97DCF38F-321F-6B4E-97DD-0ED3FE4EAE82}"/>
+              </a:ext>
+            </a:extLst>
+          </p:cNvPr>
+          <p:cNvSpPr/>
+          <p:nvPr/>
+        </p:nvSpPr>
+        <p:spPr>
+          <a:xfrm>
+            <a:off x="6911440" y="865442"/>
+            <a:ext cx="4044384" cy="344384"/>
+          </a:xfrm>
+          <a:prstGeom prst="rect">
+            <a:avLst/>
+          </a:prstGeom>
+          <a:solidFill>
+            <a:schemeClr val="tx1"/>
+          </a:solidFill>
+          <a:ln>
+            <a:noFill/>
+          </a:ln>
+        </p:spPr>
+        <p:style>
+          <a:lnRef idx="2">
+            <a:schemeClr val="accent1">
+              <a:shade val="50000"/>
+            </a:schemeClr>
+          </a:lnRef>
+          <a:fillRef idx="1">
+            <a:schemeClr val="accent1"/>
+          </a:fillRef>
+          <a:effectRef idx="0">
+            <a:schemeClr val="accent1"/>
+          </a:effectRef>
+          <a:fontRef idx="minor">
+            <a:schemeClr val="lt1"/>
+          </a:fontRef>
+        </p:style>
+        <p:txBody>
+          <a:bodyPr rtlCol="0" anchor="ctr"/>
+          <a:lstStyle/>
+          <a:p>
+            <a:pPr algn="r"/>
+            <a:r>
+              <a:rPr lang="en-US" sz="1400" dirty="0">
+                <a:solidFill>
+                  <a:schemeClr val="bg2">
+                    <a:lumMod val="50000"/>
+                  </a:schemeClr>
+                </a:solidFill>
+                <a:latin typeface="Comic Sans MS" panose="030F0902030302020204" pitchFamily="66" charset="0"/>
+              </a:rPr>
+              <a:t>Catalog     Users Profile    Username</a:t>
+            </a:r>
+          </a:p>
+        </p:txBody>
+      </p:sp>
+    </p:spTree>
+    <p:extLst>
+      <p:ext uri="{BB962C8B-B14F-4D97-AF65-F5344CB8AC3E}">
+        <p14:creationId xmlns:p14="http://schemas.microsoft.com/office/powerpoint/2010/main" val="626056712"/>
       </p:ext>
     </p:extLst>
   </p:cSld>

--- a/docs/wireframes/wireframes_2.1.pptx
+++ b/docs/wireframes/wireframes_2.1.pptx
@@ -9879,7 +9879,7 @@
         <p:spPr>
           <a:xfrm>
             <a:off x="2233351" y="581403"/>
-            <a:ext cx="2715808" cy="276999"/>
+            <a:ext cx="3090911" cy="276999"/>
           </a:xfrm>
           <a:prstGeom prst="rect">
             <a:avLst/>
@@ -9899,7 +9899,7 @@
                 </a:solidFill>
                 <a:latin typeface="Comic Sans MS" panose="030F0902030302020204" pitchFamily="66" charset="0"/>
               </a:rPr>
-              <a:t>http://localhost:3000/</a:t>
+              <a:t>http://localhost:3000/users/</a:t>
             </a:r>
             <a:r>
               <a:rPr lang="en-US" sz="1200" dirty="0" err="1">
@@ -9908,17 +9908,14 @@
                 </a:solidFill>
                 <a:latin typeface="Comic Sans MS" panose="030F0902030302020204" pitchFamily="66" charset="0"/>
               </a:rPr>
-              <a:t>My_Profile</a:t>
-            </a:r>
-            <a:r>
-              <a:rPr lang="en-US" sz="1200" dirty="0">
-                <a:solidFill>
-                  <a:schemeClr val="bg1"/>
-                </a:solidFill>
-                <a:latin typeface="Comic Sans MS" panose="030F0902030302020204" pitchFamily="66" charset="0"/>
-              </a:rPr>
-              <a:t>/</a:t>
-            </a:r>
+              <a:t>my_profile</a:t>
+            </a:r>
+            <a:endParaRPr lang="en-US" sz="1200" dirty="0">
+              <a:solidFill>
+                <a:schemeClr val="bg1"/>
+              </a:solidFill>
+              <a:latin typeface="Comic Sans MS" panose="030F0902030302020204" pitchFamily="66" charset="0"/>
+            </a:endParaRPr>
           </a:p>
         </p:txBody>
       </p:sp>
@@ -10314,64 +10311,6 @@
                 <a:latin typeface="Comic Sans MS" panose="030F0902030302020204" pitchFamily="66" charset="0"/>
               </a:rPr>
               <a:t> - User Profile</a:t>
-            </a:r>
-          </a:p>
-        </p:txBody>
-      </p:sp>
-      <p:sp>
-        <p:nvSpPr>
-          <p:cNvPr id="8" name="TextBox 7">
-            <a:extLst>
-              <a:ext uri="{FF2B5EF4-FFF2-40B4-BE49-F238E27FC236}">
-                <a16:creationId xmlns:a16="http://schemas.microsoft.com/office/drawing/2014/main" id="{49DF0299-C639-944C-9F0E-91BE71AC7E52}"/>
-              </a:ext>
-            </a:extLst>
-          </p:cNvPr>
-          <p:cNvSpPr txBox="1"/>
-          <p:nvPr/>
-        </p:nvSpPr>
-        <p:spPr>
-          <a:xfrm>
-            <a:off x="2233351" y="581403"/>
-            <a:ext cx="2715808" cy="276999"/>
-          </a:xfrm>
-          <a:prstGeom prst="rect">
-            <a:avLst/>
-          </a:prstGeom>
-          <a:noFill/>
-        </p:spPr>
-        <p:txBody>
-          <a:bodyPr wrap="none" rtlCol="0">
-            <a:spAutoFit/>
-          </a:bodyPr>
-          <a:lstStyle/>
-          <a:p>
-            <a:r>
-              <a:rPr lang="en-US" sz="1200" dirty="0">
-                <a:solidFill>
-                  <a:schemeClr val="bg1"/>
-                </a:solidFill>
-                <a:latin typeface="Comic Sans MS" panose="030F0902030302020204" pitchFamily="66" charset="0"/>
-              </a:rPr>
-              <a:t>http://localhost:3000/</a:t>
-            </a:r>
-            <a:r>
-              <a:rPr lang="en-US" sz="1200" dirty="0" err="1">
-                <a:solidFill>
-                  <a:schemeClr val="bg1"/>
-                </a:solidFill>
-                <a:latin typeface="Comic Sans MS" panose="030F0902030302020204" pitchFamily="66" charset="0"/>
-              </a:rPr>
-              <a:t>My_Profile</a:t>
-            </a:r>
-            <a:r>
-              <a:rPr lang="en-US" sz="1200" dirty="0">
-                <a:solidFill>
-                  <a:schemeClr val="bg1"/>
-                </a:solidFill>
-                <a:latin typeface="Comic Sans MS" panose="030F0902030302020204" pitchFamily="66" charset="0"/>
-              </a:rPr>
-              <a:t>/</a:t>
             </a:r>
           </a:p>
         </p:txBody>
@@ -11044,6 +10983,61 @@
           </a:p>
         </p:txBody>
       </p:sp>
+      <p:sp>
+        <p:nvSpPr>
+          <p:cNvPr id="18" name="TextBox 17">
+            <a:extLst>
+              <a:ext uri="{FF2B5EF4-FFF2-40B4-BE49-F238E27FC236}">
+                <a16:creationId xmlns:a16="http://schemas.microsoft.com/office/drawing/2014/main" id="{F5E890E1-473A-554C-847E-F88E4D053B57}"/>
+              </a:ext>
+            </a:extLst>
+          </p:cNvPr>
+          <p:cNvSpPr txBox="1"/>
+          <p:nvPr/>
+        </p:nvSpPr>
+        <p:spPr>
+          <a:xfrm>
+            <a:off x="2125922" y="590276"/>
+            <a:ext cx="3090911" cy="276999"/>
+          </a:xfrm>
+          <a:prstGeom prst="rect">
+            <a:avLst/>
+          </a:prstGeom>
+          <a:noFill/>
+        </p:spPr>
+        <p:txBody>
+          <a:bodyPr wrap="none" rtlCol="0">
+            <a:spAutoFit/>
+          </a:bodyPr>
+          <a:lstStyle/>
+          <a:p>
+            <a:r>
+              <a:rPr lang="en-US" sz="1200" dirty="0">
+                <a:solidFill>
+                  <a:schemeClr val="bg1"/>
+                </a:solidFill>
+                <a:latin typeface="Comic Sans MS" panose="030F0902030302020204" pitchFamily="66" charset="0"/>
+              </a:rPr>
+              <a:t>http://localhost:3000/users/</a:t>
+            </a:r>
+            <a:r>
+              <a:rPr lang="en-US" sz="1200" dirty="0" err="1">
+                <a:solidFill>
+                  <a:schemeClr val="bg1"/>
+                </a:solidFill>
+                <a:latin typeface="Comic Sans MS" panose="030F0902030302020204" pitchFamily="66" charset="0"/>
+              </a:rPr>
+              <a:t>my_profile</a:t>
+            </a:r>
+            <a:endParaRPr lang="en-US" sz="1200" dirty="0">
+              <a:solidFill>
+                <a:schemeClr val="bg1"/>
+              </a:solidFill>
+              <a:latin typeface="Comic Sans MS" panose="030F0902030302020204" pitchFamily="66" charset="0"/>
+            </a:endParaRPr>
+          </a:p>
+        </p:txBody>
+      </p:sp>
     </p:spTree>
     <p:extLst>
       <p:ext uri="{BB962C8B-B14F-4D97-AF65-F5344CB8AC3E}">
@@ -11175,64 +11169,6 @@
               </a:solidFill>
               <a:latin typeface="Comic Sans MS" panose="030F0902030302020204" pitchFamily="66" charset="0"/>
             </a:endParaRPr>
-          </a:p>
-        </p:txBody>
-      </p:sp>
-      <p:sp>
-        <p:nvSpPr>
-          <p:cNvPr id="8" name="TextBox 7">
-            <a:extLst>
-              <a:ext uri="{FF2B5EF4-FFF2-40B4-BE49-F238E27FC236}">
-                <a16:creationId xmlns:a16="http://schemas.microsoft.com/office/drawing/2014/main" id="{49DF0299-C639-944C-9F0E-91BE71AC7E52}"/>
-              </a:ext>
-            </a:extLst>
-          </p:cNvPr>
-          <p:cNvSpPr txBox="1"/>
-          <p:nvPr/>
-        </p:nvSpPr>
-        <p:spPr>
-          <a:xfrm>
-            <a:off x="2233351" y="581403"/>
-            <a:ext cx="2715808" cy="276999"/>
-          </a:xfrm>
-          <a:prstGeom prst="rect">
-            <a:avLst/>
-          </a:prstGeom>
-          <a:noFill/>
-        </p:spPr>
-        <p:txBody>
-          <a:bodyPr wrap="none" rtlCol="0">
-            <a:spAutoFit/>
-          </a:bodyPr>
-          <a:lstStyle/>
-          <a:p>
-            <a:r>
-              <a:rPr lang="en-US" sz="1200" dirty="0">
-                <a:solidFill>
-                  <a:schemeClr val="bg1"/>
-                </a:solidFill>
-                <a:latin typeface="Comic Sans MS" panose="030F0902030302020204" pitchFamily="66" charset="0"/>
-              </a:rPr>
-              <a:t>http://localhost:3000/</a:t>
-            </a:r>
-            <a:r>
-              <a:rPr lang="en-US" sz="1200" dirty="0" err="1">
-                <a:solidFill>
-                  <a:schemeClr val="bg1"/>
-                </a:solidFill>
-                <a:latin typeface="Comic Sans MS" panose="030F0902030302020204" pitchFamily="66" charset="0"/>
-              </a:rPr>
-              <a:t>My_Profile</a:t>
-            </a:r>
-            <a:r>
-              <a:rPr lang="en-US" sz="1200" dirty="0">
-                <a:solidFill>
-                  <a:schemeClr val="bg1"/>
-                </a:solidFill>
-                <a:latin typeface="Comic Sans MS" panose="030F0902030302020204" pitchFamily="66" charset="0"/>
-              </a:rPr>
-              <a:t>/</a:t>
-            </a:r>
           </a:p>
         </p:txBody>
       </p:sp>
@@ -12645,6 +12581,61 @@
           </a:graphicData>
         </a:graphic>
       </p:graphicFrame>
+      <p:sp>
+        <p:nvSpPr>
+          <p:cNvPr id="20" name="TextBox 19">
+            <a:extLst>
+              <a:ext uri="{FF2B5EF4-FFF2-40B4-BE49-F238E27FC236}">
+                <a16:creationId xmlns:a16="http://schemas.microsoft.com/office/drawing/2014/main" id="{B22EF6DF-817D-E046-ACB1-8AC4E42D9C96}"/>
+              </a:ext>
+            </a:extLst>
+          </p:cNvPr>
+          <p:cNvSpPr txBox="1"/>
+          <p:nvPr/>
+        </p:nvSpPr>
+        <p:spPr>
+          <a:xfrm>
+            <a:off x="2101950" y="583505"/>
+            <a:ext cx="3090911" cy="276999"/>
+          </a:xfrm>
+          <a:prstGeom prst="rect">
+            <a:avLst/>
+          </a:prstGeom>
+          <a:noFill/>
+        </p:spPr>
+        <p:txBody>
+          <a:bodyPr wrap="none" rtlCol="0">
+            <a:spAutoFit/>
+          </a:bodyPr>
+          <a:lstStyle/>
+          <a:p>
+            <a:r>
+              <a:rPr lang="en-US" sz="1200" dirty="0">
+                <a:solidFill>
+                  <a:schemeClr val="bg1"/>
+                </a:solidFill>
+                <a:latin typeface="Comic Sans MS" panose="030F0902030302020204" pitchFamily="66" charset="0"/>
+              </a:rPr>
+              <a:t>http://localhost:3000/users/</a:t>
+            </a:r>
+            <a:r>
+              <a:rPr lang="en-US" sz="1200" dirty="0" err="1">
+                <a:solidFill>
+                  <a:schemeClr val="bg1"/>
+                </a:solidFill>
+                <a:latin typeface="Comic Sans MS" panose="030F0902030302020204" pitchFamily="66" charset="0"/>
+              </a:rPr>
+              <a:t>my_profile</a:t>
+            </a:r>
+            <a:endParaRPr lang="en-US" sz="1200" dirty="0">
+              <a:solidFill>
+                <a:schemeClr val="bg1"/>
+              </a:solidFill>
+              <a:latin typeface="Comic Sans MS" panose="030F0902030302020204" pitchFamily="66" charset="0"/>
+            </a:endParaRPr>
+          </a:p>
+        </p:txBody>
+      </p:sp>
     </p:spTree>
     <p:extLst>
       <p:ext uri="{BB962C8B-B14F-4D97-AF65-F5344CB8AC3E}">
@@ -17215,7 +17206,7 @@
         <p:spPr>
           <a:xfrm>
             <a:off x="2233351" y="581403"/>
-            <a:ext cx="2587568" cy="276999"/>
+            <a:ext cx="3411511" cy="276999"/>
           </a:xfrm>
           <a:prstGeom prst="rect">
             <a:avLst/>
@@ -17235,7 +17226,7 @@
                 </a:solidFill>
                 <a:latin typeface="Comic Sans MS" panose="030F0902030302020204" pitchFamily="66" charset="0"/>
               </a:rPr>
-              <a:t>http://localhost:3000/items/new</a:t>
+              <a:t>http://localhost:3000/users/#/reviews/new</a:t>
             </a:r>
           </a:p>
         </p:txBody>
@@ -17956,7 +17947,7 @@
         <p:spPr>
           <a:xfrm>
             <a:off x="2233351" y="581403"/>
-            <a:ext cx="2587568" cy="276999"/>
+            <a:ext cx="4007828" cy="276999"/>
           </a:xfrm>
           <a:prstGeom prst="rect">
             <a:avLst/>
@@ -17976,7 +17967,25 @@
                 </a:solidFill>
                 <a:latin typeface="Comic Sans MS" panose="030F0902030302020204" pitchFamily="66" charset="0"/>
               </a:rPr>
-              <a:t>http://localhost:3000/items/new</a:t>
+              <a:t>http://localhost:3000/reviews/</a:t>
+            </a:r>
+            <a:r>
+              <a:rPr lang="en-US" sz="1200" dirty="0" err="1">
+                <a:solidFill>
+                  <a:schemeClr val="bg1"/>
+                </a:solidFill>
+                <a:latin typeface="Comic Sans MS" panose="030F0902030302020204" pitchFamily="66" charset="0"/>
+              </a:rPr>
+              <a:t>view_reviews</a:t>
+            </a:r>
+            <a:r>
+              <a:rPr lang="en-US" sz="1200" dirty="0">
+                <a:solidFill>
+                  <a:schemeClr val="bg1"/>
+                </a:solidFill>
+                <a:latin typeface="Comic Sans MS" panose="030F0902030302020204" pitchFamily="66" charset="0"/>
+              </a:rPr>
+              <a:t>_#/edit</a:t>
             </a:r>
           </a:p>
         </p:txBody>
